--- a/AimboT.pptx
+++ b/AimboT.pptx
@@ -6,7 +6,7 @@
     <p:sldMasterId id="2147483665" r:id="rId2"/>
   </p:sldMasterIdLst>
   <p:notesMasterIdLst>
-    <p:notesMasterId r:id="rId22"/>
+    <p:notesMasterId r:id="rId24"/>
   </p:notesMasterIdLst>
   <p:sldIdLst>
     <p:sldId id="300" r:id="rId3"/>
@@ -25,14 +25,16 @@
     <p:sldId id="294" r:id="rId16"/>
     <p:sldId id="299" r:id="rId17"/>
     <p:sldId id="276" r:id="rId18"/>
-    <p:sldId id="283" r:id="rId19"/>
-    <p:sldId id="286" r:id="rId20"/>
-    <p:sldId id="281" r:id="rId21"/>
+    <p:sldId id="302" r:id="rId19"/>
+    <p:sldId id="283" r:id="rId20"/>
+    <p:sldId id="303" r:id="rId21"/>
+    <p:sldId id="286" r:id="rId22"/>
+    <p:sldId id="281" r:id="rId23"/>
   </p:sldIdLst>
   <p:sldSz cx="12192000" cy="6858000"/>
   <p:notesSz cx="6858000" cy="9144000"/>
   <p:custDataLst>
-    <p:tags r:id="rId23"/>
+    <p:tags r:id="rId25"/>
   </p:custDataLst>
   <p:defaultTextStyle>
     <a:defPPr>
@@ -1246,7 +1248,7 @@
     </p:spTree>
     <p:extLst>
       <p:ext uri="{BB962C8B-B14F-4D97-AF65-F5344CB8AC3E}">
-        <p14:creationId xmlns:p14="http://schemas.microsoft.com/office/powerpoint/2010/main" val="33907357"/>
+        <p14:creationId xmlns:p14="http://schemas.microsoft.com/office/powerpoint/2010/main" val="865271202"/>
       </p:ext>
     </p:extLst>
   </p:cSld>
@@ -1330,7 +1332,7 @@
     </p:spTree>
     <p:extLst>
       <p:ext uri="{BB962C8B-B14F-4D97-AF65-F5344CB8AC3E}">
-        <p14:creationId xmlns:p14="http://schemas.microsoft.com/office/powerpoint/2010/main" val="3649910813"/>
+        <p14:creationId xmlns:p14="http://schemas.microsoft.com/office/powerpoint/2010/main" val="33907357"/>
       </p:ext>
     </p:extLst>
   </p:cSld>
@@ -1414,7 +1416,7 @@
     </p:spTree>
     <p:extLst>
       <p:ext uri="{BB962C8B-B14F-4D97-AF65-F5344CB8AC3E}">
-        <p14:creationId xmlns:p14="http://schemas.microsoft.com/office/powerpoint/2010/main" val="2234969387"/>
+        <p14:creationId xmlns:p14="http://schemas.microsoft.com/office/powerpoint/2010/main" val="565991831"/>
       </p:ext>
     </p:extLst>
   </p:cSld>
@@ -1499,6 +1501,174 @@
     <p:extLst>
       <p:ext uri="{BB962C8B-B14F-4D97-AF65-F5344CB8AC3E}">
         <p14:creationId xmlns:p14="http://schemas.microsoft.com/office/powerpoint/2010/main" val="3209218998"/>
+      </p:ext>
+    </p:extLst>
+  </p:cSld>
+  <p:clrMapOvr>
+    <a:masterClrMapping/>
+  </p:clrMapOvr>
+</p:notes>
+</file>
+
+<file path=ppt/notesSlides/notesSlide20.xml><?xml version="1.0" encoding="utf-8"?>
+<p:notes xmlns:a="http://schemas.openxmlformats.org/drawingml/2006/main" xmlns:r="http://schemas.openxmlformats.org/officeDocument/2006/relationships" xmlns:p="http://schemas.openxmlformats.org/presentationml/2006/main">
+  <p:cSld>
+    <p:spTree>
+      <p:nvGrpSpPr>
+        <p:cNvPr id="1" name=""/>
+        <p:cNvGrpSpPr/>
+        <p:nvPr/>
+      </p:nvGrpSpPr>
+      <p:grpSpPr>
+        <a:xfrm>
+          <a:off x="0" y="0"/>
+          <a:ext cx="0" cy="0"/>
+          <a:chOff x="0" y="0"/>
+          <a:chExt cx="0" cy="0"/>
+        </a:xfrm>
+      </p:grpSpPr>
+      <p:sp>
+        <p:nvSpPr>
+          <p:cNvPr id="2" name="幻灯片图像占位符 1"/>
+          <p:cNvSpPr>
+            <a:spLocks noGrp="1" noRot="1" noChangeAspect="1"/>
+          </p:cNvSpPr>
+          <p:nvPr>
+            <p:ph type="sldImg"/>
+          </p:nvPr>
+        </p:nvSpPr>
+        <p:spPr/>
+      </p:sp>
+      <p:sp>
+        <p:nvSpPr>
+          <p:cNvPr id="3" name="备注占位符 2"/>
+          <p:cNvSpPr>
+            <a:spLocks noGrp="1"/>
+          </p:cNvSpPr>
+          <p:nvPr>
+            <p:ph type="body" idx="1"/>
+          </p:nvPr>
+        </p:nvSpPr>
+        <p:spPr/>
+        <p:txBody>
+          <a:bodyPr/>
+          <a:lstStyle/>
+          <a:p>
+            <a:endParaRPr lang="zh-CN" altLang="en-US"/>
+          </a:p>
+        </p:txBody>
+      </p:sp>
+      <p:sp>
+        <p:nvSpPr>
+          <p:cNvPr id="4" name="灯片编号占位符 3"/>
+          <p:cNvSpPr>
+            <a:spLocks noGrp="1"/>
+          </p:cNvSpPr>
+          <p:nvPr>
+            <p:ph type="sldNum" sz="quarter" idx="10"/>
+          </p:nvPr>
+        </p:nvSpPr>
+        <p:spPr/>
+        <p:txBody>
+          <a:bodyPr/>
+          <a:lstStyle/>
+          <a:p>
+            <a:fld id="{F1CB8912-F0BA-4AD8-8415-DA1F26BCB09F}" type="slidenum">
+              <a:rPr lang="zh-CN" altLang="en-US" smtClean="0"/>
+              <a:t>20</a:t>
+            </a:fld>
+            <a:endParaRPr lang="zh-CN" altLang="en-US"/>
+          </a:p>
+        </p:txBody>
+      </p:sp>
+    </p:spTree>
+    <p:extLst>
+      <p:ext uri="{BB962C8B-B14F-4D97-AF65-F5344CB8AC3E}">
+        <p14:creationId xmlns:p14="http://schemas.microsoft.com/office/powerpoint/2010/main" val="3649910813"/>
+      </p:ext>
+    </p:extLst>
+  </p:cSld>
+  <p:clrMapOvr>
+    <a:masterClrMapping/>
+  </p:clrMapOvr>
+</p:notes>
+</file>
+
+<file path=ppt/notesSlides/notesSlide21.xml><?xml version="1.0" encoding="utf-8"?>
+<p:notes xmlns:a="http://schemas.openxmlformats.org/drawingml/2006/main" xmlns:r="http://schemas.openxmlformats.org/officeDocument/2006/relationships" xmlns:p="http://schemas.openxmlformats.org/presentationml/2006/main">
+  <p:cSld>
+    <p:spTree>
+      <p:nvGrpSpPr>
+        <p:cNvPr id="1" name=""/>
+        <p:cNvGrpSpPr/>
+        <p:nvPr/>
+      </p:nvGrpSpPr>
+      <p:grpSpPr>
+        <a:xfrm>
+          <a:off x="0" y="0"/>
+          <a:ext cx="0" cy="0"/>
+          <a:chOff x="0" y="0"/>
+          <a:chExt cx="0" cy="0"/>
+        </a:xfrm>
+      </p:grpSpPr>
+      <p:sp>
+        <p:nvSpPr>
+          <p:cNvPr id="2" name="幻灯片图像占位符 1"/>
+          <p:cNvSpPr>
+            <a:spLocks noGrp="1" noRot="1" noChangeAspect="1"/>
+          </p:cNvSpPr>
+          <p:nvPr>
+            <p:ph type="sldImg"/>
+          </p:nvPr>
+        </p:nvSpPr>
+        <p:spPr/>
+      </p:sp>
+      <p:sp>
+        <p:nvSpPr>
+          <p:cNvPr id="3" name="备注占位符 2"/>
+          <p:cNvSpPr>
+            <a:spLocks noGrp="1"/>
+          </p:cNvSpPr>
+          <p:nvPr>
+            <p:ph type="body" idx="1"/>
+          </p:nvPr>
+        </p:nvSpPr>
+        <p:spPr/>
+        <p:txBody>
+          <a:bodyPr/>
+          <a:lstStyle/>
+          <a:p>
+            <a:endParaRPr lang="zh-CN" altLang="en-US"/>
+          </a:p>
+        </p:txBody>
+      </p:sp>
+      <p:sp>
+        <p:nvSpPr>
+          <p:cNvPr id="4" name="灯片编号占位符 3"/>
+          <p:cNvSpPr>
+            <a:spLocks noGrp="1"/>
+          </p:cNvSpPr>
+          <p:nvPr>
+            <p:ph type="sldNum" sz="quarter" idx="10"/>
+          </p:nvPr>
+        </p:nvSpPr>
+        <p:spPr/>
+        <p:txBody>
+          <a:bodyPr/>
+          <a:lstStyle/>
+          <a:p>
+            <a:fld id="{F1CB8912-F0BA-4AD8-8415-DA1F26BCB09F}" type="slidenum">
+              <a:rPr lang="zh-CN" altLang="en-US" smtClean="0"/>
+              <a:t>21</a:t>
+            </a:fld>
+            <a:endParaRPr lang="zh-CN" altLang="en-US"/>
+          </a:p>
+        </p:txBody>
+      </p:sp>
+    </p:spTree>
+    <p:extLst>
+      <p:ext uri="{BB962C8B-B14F-4D97-AF65-F5344CB8AC3E}">
+        <p14:creationId xmlns:p14="http://schemas.microsoft.com/office/powerpoint/2010/main" val="2234969387"/>
       </p:ext>
     </p:extLst>
   </p:cSld>
@@ -6113,8 +6283,38 @@
         </p:blipFill>
         <p:spPr>
           <a:xfrm>
-            <a:off x="249609" y="1770794"/>
-            <a:ext cx="11507637" cy="3624166"/>
+            <a:off x="249609" y="3912850"/>
+            <a:ext cx="9351591" cy="2945150"/>
+          </a:xfrm>
+          <a:prstGeom prst="rect">
+            <a:avLst/>
+          </a:prstGeom>
+        </p:spPr>
+      </p:pic>
+      <p:pic>
+        <p:nvPicPr>
+          <p:cNvPr id="2" name="图片 1">
+            <a:extLst>
+              <a:ext uri="{FF2B5EF4-FFF2-40B4-BE49-F238E27FC236}">
+                <a16:creationId xmlns:a16="http://schemas.microsoft.com/office/drawing/2014/main" id="{25B13B5B-C45F-BF40-4016-EC5824452B75}"/>
+              </a:ext>
+            </a:extLst>
+          </p:cNvPr>
+          <p:cNvPicPr>
+            <a:picLocks noChangeAspect="1"/>
+          </p:cNvPicPr>
+          <p:nvPr/>
+        </p:nvPicPr>
+        <p:blipFill>
+          <a:blip r:embed="rId4"/>
+          <a:stretch>
+            <a:fillRect/>
+          </a:stretch>
+        </p:blipFill>
+        <p:spPr>
+          <a:xfrm>
+            <a:off x="1814514" y="841948"/>
+            <a:ext cx="6991114" cy="3066278"/>
           </a:xfrm>
           <a:prstGeom prst="rect">
             <a:avLst/>
@@ -6645,8 +6845,38 @@
         </p:blipFill>
         <p:spPr>
           <a:xfrm>
-            <a:off x="215900" y="1986102"/>
-            <a:ext cx="11450504" cy="3390486"/>
+            <a:off x="137849" y="4025022"/>
+            <a:ext cx="9567663" cy="2832978"/>
+          </a:xfrm>
+          <a:prstGeom prst="rect">
+            <a:avLst/>
+          </a:prstGeom>
+        </p:spPr>
+      </p:pic>
+      <p:pic>
+        <p:nvPicPr>
+          <p:cNvPr id="2" name="图片 1">
+            <a:extLst>
+              <a:ext uri="{FF2B5EF4-FFF2-40B4-BE49-F238E27FC236}">
+                <a16:creationId xmlns:a16="http://schemas.microsoft.com/office/drawing/2014/main" id="{2D81500D-6131-1354-AF30-15B1CF1EF32D}"/>
+              </a:ext>
+            </a:extLst>
+          </p:cNvPr>
+          <p:cNvPicPr>
+            <a:picLocks noChangeAspect="1"/>
+          </p:cNvPicPr>
+          <p:nvPr/>
+        </p:nvPicPr>
+        <p:blipFill>
+          <a:blip r:embed="rId4"/>
+          <a:stretch>
+            <a:fillRect/>
+          </a:stretch>
+        </p:blipFill>
+        <p:spPr>
+          <a:xfrm>
+            <a:off x="2386282" y="841948"/>
+            <a:ext cx="5554617" cy="3219954"/>
           </a:xfrm>
           <a:prstGeom prst="rect">
             <a:avLst/>
@@ -6663,13 +6893,13 @@
   <p:clrMapOvr>
     <a:masterClrMapping/>
   </p:clrMapOvr>
-  <mc:AlternateContent xmlns:mc="http://schemas.openxmlformats.org/markup-compatibility/2006">
-    <mc:Choice xmlns:p14="http://schemas.microsoft.com/office/powerpoint/2010/main" Requires="p14">
+  <mc:AlternateContent xmlns:mc="http://schemas.openxmlformats.org/markup-compatibility/2006" xmlns:p14="http://schemas.microsoft.com/office/powerpoint/2010/main">
+    <mc:Choice Requires="p14">
       <p:transition spd="slow" p14:dur="1500" advTm="0">
         <p:random/>
       </p:transition>
     </mc:Choice>
-    <mc:Fallback>
+    <mc:Fallback xmlns="">
       <p:transition spd="slow" advTm="0">
         <p:random/>
       </p:transition>
@@ -16421,165 +16651,23 @@
           </a:prstGeom>
         </p:spPr>
       </p:pic>
-      <p:sp>
-        <p:nvSpPr>
-          <p:cNvPr id="20" name="文本框 19">
-            <a:extLst>
-              <a:ext uri="{FF2B5EF4-FFF2-40B4-BE49-F238E27FC236}">
-                <a16:creationId xmlns:a16="http://schemas.microsoft.com/office/drawing/2014/main" id="{6B048028-BF41-EC6D-439B-E2257A440B10}"/>
-              </a:ext>
-            </a:extLst>
-          </p:cNvPr>
-          <p:cNvSpPr txBox="1"/>
-          <p:nvPr/>
-        </p:nvSpPr>
-        <p:spPr>
-          <a:xfrm>
-            <a:off x="8763774" y="1331475"/>
-            <a:ext cx="3060491" cy="1468607"/>
-          </a:xfrm>
-          <a:prstGeom prst="rect">
-            <a:avLst/>
-          </a:prstGeom>
-          <a:noFill/>
-        </p:spPr>
-        <p:txBody>
-          <a:bodyPr wrap="square" rtlCol="0">
-            <a:spAutoFit/>
-            <a:scene3d>
-              <a:camera prst="orthographicFront"/>
-              <a:lightRig rig="threePt" dir="t"/>
-            </a:scene3d>
-            <a:sp3d contourW="12700"/>
-          </a:bodyPr>
-          <a:lstStyle/>
-          <a:p>
-            <a:pPr algn="ctr">
-              <a:lnSpc>
-                <a:spcPct val="114000"/>
-              </a:lnSpc>
-            </a:pPr>
-            <a:r>
-              <a:rPr lang="zh-CN" altLang="en-US" sz="2000" dirty="0">
-                <a:solidFill>
-                  <a:schemeClr val="tx1">
-                    <a:lumMod val="75000"/>
-                    <a:lumOff val="25000"/>
-                  </a:schemeClr>
-                </a:solidFill>
-                <a:cs typeface="+mn-ea"/>
-                <a:sym typeface="+mn-lt"/>
-              </a:rPr>
-              <a:t>具体的，可以参考分别使用</a:t>
-            </a:r>
-            <a:r>
-              <a:rPr lang="en-US" altLang="zh-CN" sz="2000" dirty="0">
-                <a:solidFill>
-                  <a:schemeClr val="tx1">
-                    <a:lumMod val="75000"/>
-                    <a:lumOff val="25000"/>
-                  </a:schemeClr>
-                </a:solidFill>
-                <a:cs typeface="+mn-ea"/>
-                <a:sym typeface="+mn-lt"/>
-              </a:rPr>
-              <a:t>yolov8n.pt</a:t>
-            </a:r>
-            <a:r>
-              <a:rPr lang="zh-CN" altLang="en-US" sz="2000" dirty="0">
-                <a:solidFill>
-                  <a:schemeClr val="tx1">
-                    <a:lumMod val="75000"/>
-                    <a:lumOff val="25000"/>
-                  </a:schemeClr>
-                </a:solidFill>
-                <a:cs typeface="+mn-ea"/>
-                <a:sym typeface="+mn-lt"/>
-              </a:rPr>
-              <a:t>与</a:t>
-            </a:r>
-            <a:r>
-              <a:rPr lang="en-US" altLang="zh-CN" sz="2000" dirty="0">
-                <a:solidFill>
-                  <a:schemeClr val="tx1">
-                    <a:lumMod val="75000"/>
-                    <a:lumOff val="25000"/>
-                  </a:schemeClr>
-                </a:solidFill>
-                <a:cs typeface="+mn-ea"/>
-                <a:sym typeface="+mn-lt"/>
-              </a:rPr>
-              <a:t>yolov5n.pt</a:t>
-            </a:r>
-            <a:r>
-              <a:rPr lang="zh-CN" altLang="en-US" sz="2000" dirty="0">
-                <a:solidFill>
-                  <a:schemeClr val="tx1">
-                    <a:lumMod val="75000"/>
-                    <a:lumOff val="25000"/>
-                  </a:schemeClr>
-                </a:solidFill>
-                <a:cs typeface="+mn-ea"/>
-                <a:sym typeface="+mn-lt"/>
-              </a:rPr>
-              <a:t>对一段</a:t>
-            </a:r>
-            <a:r>
-              <a:rPr lang="en-US" altLang="zh-CN" sz="2000" dirty="0" err="1">
-                <a:solidFill>
-                  <a:schemeClr val="tx1">
-                    <a:lumMod val="75000"/>
-                    <a:lumOff val="25000"/>
-                  </a:schemeClr>
-                </a:solidFill>
-                <a:cs typeface="+mn-ea"/>
-                <a:sym typeface="+mn-lt"/>
-              </a:rPr>
-              <a:t>csgo</a:t>
-            </a:r>
-            <a:r>
-              <a:rPr lang="zh-CN" altLang="en-US" sz="2000" dirty="0">
-                <a:solidFill>
-                  <a:schemeClr val="tx1">
-                    <a:lumMod val="75000"/>
-                    <a:lumOff val="25000"/>
-                  </a:schemeClr>
-                </a:solidFill>
-                <a:cs typeface="+mn-ea"/>
-                <a:sym typeface="+mn-lt"/>
-              </a:rPr>
-              <a:t>游戏视频的检测结果。</a:t>
-            </a:r>
-            <a:endParaRPr lang="en-US" altLang="zh-CN" sz="2000" dirty="0">
-              <a:solidFill>
-                <a:schemeClr val="tx1">
-                  <a:lumMod val="75000"/>
-                  <a:lumOff val="25000"/>
-                </a:schemeClr>
-              </a:solidFill>
-              <a:cs typeface="+mn-ea"/>
-              <a:sym typeface="+mn-lt"/>
-            </a:endParaRPr>
-          </a:p>
-        </p:txBody>
-      </p:sp>
     </p:spTree>
     <p:extLst>
       <p:ext uri="{BB962C8B-B14F-4D97-AF65-F5344CB8AC3E}">
-        <p14:creationId xmlns:p14="http://schemas.microsoft.com/office/powerpoint/2010/main" val="1997787575"/>
+        <p14:creationId xmlns:p14="http://schemas.microsoft.com/office/powerpoint/2010/main" val="488134413"/>
       </p:ext>
     </p:extLst>
   </p:cSld>
   <p:clrMapOvr>
     <a:masterClrMapping/>
   </p:clrMapOvr>
-  <mc:AlternateContent xmlns:mc="http://schemas.openxmlformats.org/markup-compatibility/2006" xmlns:p14="http://schemas.microsoft.com/office/powerpoint/2010/main">
-    <mc:Choice Requires="p14">
+  <mc:AlternateContent xmlns:mc="http://schemas.openxmlformats.org/markup-compatibility/2006">
+    <mc:Choice xmlns:p14="http://schemas.microsoft.com/office/powerpoint/2010/main" Requires="p14">
       <p:transition spd="slow" p14:dur="1500" advTm="0">
         <p:random/>
       </p:transition>
     </mc:Choice>
-    <mc:Fallback xmlns="">
+    <mc:Fallback>
       <p:transition spd="slow" advTm="0">
         <p:random/>
       </p:transition>
@@ -16607,21 +16695,21 @@
       </p:grpSpPr>
       <p:grpSp>
         <p:nvGrpSpPr>
-          <p:cNvPr id="38" name="组合 37"/>
+          <p:cNvPr id="34" name="组合 33"/>
           <p:cNvGrpSpPr/>
           <p:nvPr/>
         </p:nvGrpSpPr>
         <p:grpSpPr>
           <a:xfrm>
             <a:off x="-158751" y="255365"/>
-            <a:ext cx="4045111" cy="788563"/>
+            <a:ext cx="5797770" cy="788563"/>
             <a:chOff x="-158751" y="255365"/>
-            <a:chExt cx="4045111" cy="788563"/>
+            <a:chExt cx="5797770" cy="788563"/>
           </a:xfrm>
         </p:grpSpPr>
         <p:grpSp>
           <p:nvGrpSpPr>
-            <p:cNvPr id="39" name="组合 38"/>
+            <p:cNvPr id="35" name="组合 34"/>
             <p:cNvGrpSpPr/>
             <p:nvPr/>
           </p:nvGrpSpPr>
@@ -16635,7 +16723,7 @@
           </p:grpSpPr>
           <p:grpSp>
             <p:nvGrpSpPr>
-              <p:cNvPr id="43" name="组合 42"/>
+              <p:cNvPr id="39" name="组合 38"/>
               <p:cNvGrpSpPr/>
               <p:nvPr/>
             </p:nvGrpSpPr>
@@ -16649,7 +16737,7 @@
             </p:grpSpPr>
             <p:sp>
               <p:nvSpPr>
-                <p:cNvPr id="64" name="圆角矩形 63"/>
+                <p:cNvPr id="45" name="圆角矩形 44"/>
                 <p:cNvSpPr/>
                 <p:nvPr/>
               </p:nvSpPr>
@@ -16700,7 +16788,7 @@
             </p:sp>
             <p:sp>
               <p:nvSpPr>
-                <p:cNvPr id="65" name="椭圆 64"/>
+                <p:cNvPr id="57" name="椭圆 56"/>
                 <p:cNvSpPr/>
                 <p:nvPr/>
               </p:nvSpPr>
@@ -16750,7 +16838,7 @@
           </p:grpSp>
           <p:grpSp>
             <p:nvGrpSpPr>
-              <p:cNvPr id="59" name="组合 58"/>
+              <p:cNvPr id="40" name="组合 39"/>
               <p:cNvGrpSpPr/>
               <p:nvPr/>
             </p:nvGrpSpPr>
@@ -16767,7 +16855,7 @@
             </p:grpSpPr>
             <p:sp>
               <p:nvSpPr>
-                <p:cNvPr id="62" name="圆角矩形 61"/>
+                <p:cNvPr id="43" name="圆角矩形 42"/>
                 <p:cNvSpPr/>
                 <p:nvPr/>
               </p:nvSpPr>
@@ -16821,7 +16909,7 @@
             </p:sp>
             <p:sp>
               <p:nvSpPr>
-                <p:cNvPr id="63" name="椭圆 62"/>
+                <p:cNvPr id="44" name="椭圆 43"/>
                 <p:cNvSpPr/>
                 <p:nvPr/>
               </p:nvSpPr>
@@ -16874,7 +16962,7 @@
           </p:grpSp>
           <p:sp>
             <p:nvSpPr>
-              <p:cNvPr id="60" name="圆角矩形 59"/>
+              <p:cNvPr id="41" name="圆角矩形 40"/>
               <p:cNvSpPr/>
               <p:nvPr/>
             </p:nvSpPr>
@@ -16925,7 +17013,7 @@
           </p:sp>
           <p:sp>
             <p:nvSpPr>
-              <p:cNvPr id="61" name="圆角矩形 60"/>
+              <p:cNvPr id="42" name="圆角矩形 41"/>
               <p:cNvSpPr/>
               <p:nvPr/>
             </p:nvSpPr>
@@ -16977,14 +17065,14 @@
         </p:grpSp>
         <p:sp>
           <p:nvSpPr>
-            <p:cNvPr id="41" name="文本框 40"/>
+            <p:cNvPr id="37" name="文本框 36"/>
             <p:cNvSpPr txBox="1"/>
             <p:nvPr/>
           </p:nvSpPr>
           <p:spPr>
             <a:xfrm>
               <a:off x="2060219" y="337876"/>
-              <a:ext cx="1826141" cy="584775"/>
+              <a:ext cx="3578800" cy="584775"/>
             </a:xfrm>
             <a:prstGeom prst="rect">
               <a:avLst/>
@@ -17003,7 +17091,7 @@
             <a:lstStyle/>
             <a:p>
               <a:r>
-                <a:rPr lang="zh-CN" altLang="en-US" sz="3200" b="1" dirty="0">
+                <a:rPr lang="en-US" altLang="zh-CN" sz="3200" b="1" dirty="0">
                   <a:solidFill>
                     <a:schemeClr val="tx1">
                       <a:lumMod val="75000"/>
@@ -17013,18 +17101,100 @@
                   <a:cs typeface="+mn-ea"/>
                   <a:sym typeface="+mn-lt"/>
                 </a:rPr>
-                <a:t>游戏分析</a:t>
+                <a:t>Yolov5 VS Yolov8</a:t>
               </a:r>
+              <a:endParaRPr lang="zh-CN" altLang="en-US" sz="3200" b="1" dirty="0">
+                <a:solidFill>
+                  <a:schemeClr val="tx1">
+                    <a:lumMod val="75000"/>
+                    <a:lumOff val="25000"/>
+                  </a:schemeClr>
+                </a:solidFill>
+                <a:cs typeface="+mn-ea"/>
+                <a:sym typeface="+mn-lt"/>
+              </a:endParaRPr>
             </a:p>
           </p:txBody>
         </p:sp>
       </p:grpSp>
+      <p:pic>
+        <p:nvPicPr>
+          <p:cNvPr id="4" name="图片 3">
+            <a:extLst>
+              <a:ext uri="{FF2B5EF4-FFF2-40B4-BE49-F238E27FC236}">
+                <a16:creationId xmlns:a16="http://schemas.microsoft.com/office/drawing/2014/main" id="{71732582-0E67-29A5-9B97-55DD11FC1F5A}"/>
+              </a:ext>
+            </a:extLst>
+          </p:cNvPr>
+          <p:cNvPicPr>
+            <a:picLocks noChangeAspect="1"/>
+          </p:cNvPicPr>
+          <p:nvPr/>
+        </p:nvPicPr>
+        <p:blipFill>
+          <a:blip r:embed="rId3" cstate="print">
+            <a:extLst>
+              <a:ext uri="{28A0092B-C50C-407E-A947-70E740481C1C}">
+                <a14:useLocalDpi xmlns:a14="http://schemas.microsoft.com/office/drawing/2010/main" val="0"/>
+              </a:ext>
+            </a:extLst>
+          </a:blip>
+          <a:stretch>
+            <a:fillRect/>
+          </a:stretch>
+        </p:blipFill>
+        <p:spPr>
+          <a:xfrm>
+            <a:off x="-158751" y="1429965"/>
+            <a:ext cx="6648716" cy="5074919"/>
+          </a:xfrm>
+          <a:prstGeom prst="rect">
+            <a:avLst/>
+          </a:prstGeom>
+        </p:spPr>
+      </p:pic>
+      <p:pic>
+        <p:nvPicPr>
+          <p:cNvPr id="6" name="图片 5">
+            <a:extLst>
+              <a:ext uri="{FF2B5EF4-FFF2-40B4-BE49-F238E27FC236}">
+                <a16:creationId xmlns:a16="http://schemas.microsoft.com/office/drawing/2014/main" id="{766BE325-B68A-1A9E-EC15-BF25BA2CEE73}"/>
+              </a:ext>
+            </a:extLst>
+          </p:cNvPr>
+          <p:cNvPicPr>
+            <a:picLocks noChangeAspect="1"/>
+          </p:cNvPicPr>
+          <p:nvPr/>
+        </p:nvPicPr>
+        <p:blipFill>
+          <a:blip r:embed="rId4" cstate="print">
+            <a:extLst>
+              <a:ext uri="{28A0092B-C50C-407E-A947-70E740481C1C}">
+                <a14:useLocalDpi xmlns:a14="http://schemas.microsoft.com/office/drawing/2010/main" val="0"/>
+              </a:ext>
+            </a:extLst>
+          </a:blip>
+          <a:stretch>
+            <a:fillRect/>
+          </a:stretch>
+        </p:blipFill>
+        <p:spPr>
+          <a:xfrm>
+            <a:off x="5893019" y="1341120"/>
+            <a:ext cx="6885020" cy="5163764"/>
+          </a:xfrm>
+          <a:prstGeom prst="rect">
+            <a:avLst/>
+          </a:prstGeom>
+        </p:spPr>
+      </p:pic>
       <p:sp>
         <p:nvSpPr>
-          <p:cNvPr id="24" name="文本框 23">
+          <p:cNvPr id="7" name="文本框 6">
             <a:extLst>
               <a:ext uri="{FF2B5EF4-FFF2-40B4-BE49-F238E27FC236}">
-                <a16:creationId xmlns:a16="http://schemas.microsoft.com/office/drawing/2014/main" id="{E3ACE549-9A03-C3C9-5BEE-3A89B8893296}"/>
+                <a16:creationId xmlns:a16="http://schemas.microsoft.com/office/drawing/2014/main" id="{0228E1A1-35D1-6AE8-E11C-82187354BFD5}"/>
               </a:ext>
             </a:extLst>
           </p:cNvPr>
@@ -17033,8 +17203,8 @@
         </p:nvSpPr>
         <p:spPr>
           <a:xfrm>
-            <a:off x="367734" y="1249690"/>
-            <a:ext cx="4082345" cy="923330"/>
+            <a:off x="137849" y="1045617"/>
+            <a:ext cx="6177280" cy="369332"/>
           </a:xfrm>
           <a:prstGeom prst="rect">
             <a:avLst/>
@@ -17048,54 +17218,53 @@
           <a:lstStyle/>
           <a:p>
             <a:r>
-              <a:rPr lang="zh-CN" altLang="en-US" dirty="0"/>
-              <a:t>对</a:t>
+              <a:rPr lang="en-US" altLang="zh-CN" dirty="0"/>
+              <a:t>v8</a:t>
             </a:r>
-            <a:r>
-              <a:rPr lang="en-US" altLang="zh-CN" dirty="0" err="1"/>
-              <a:t>csgo</a:t>
-            </a:r>
-            <a:r>
-              <a:rPr lang="zh-CN" altLang="en-US" dirty="0"/>
-              <a:t>游戏数据集进行分析，得出双方在各自胜利的对局中出现位置的频率图像</a:t>
-            </a:r>
+            <a:endParaRPr lang="zh-CN" altLang="en-US" dirty="0"/>
           </a:p>
         </p:txBody>
       </p:sp>
-      <p:pic>
-        <p:nvPicPr>
-          <p:cNvPr id="26" name="图片 25">
+      <p:sp>
+        <p:nvSpPr>
+          <p:cNvPr id="8" name="文本框 7">
             <a:extLst>
               <a:ext uri="{FF2B5EF4-FFF2-40B4-BE49-F238E27FC236}">
-                <a16:creationId xmlns:a16="http://schemas.microsoft.com/office/drawing/2014/main" id="{E11D450F-DDDB-4D73-8006-83EE0C0AE06F}"/>
+                <a16:creationId xmlns:a16="http://schemas.microsoft.com/office/drawing/2014/main" id="{0B8FF985-7F47-C934-9675-8EFB508438BF}"/>
               </a:ext>
             </a:extLst>
           </p:cNvPr>
-          <p:cNvPicPr>
-            <a:picLocks noChangeAspect="1"/>
-          </p:cNvPicPr>
+          <p:cNvSpPr txBox="1"/>
           <p:nvPr/>
-        </p:nvPicPr>
-        <p:blipFill>
-          <a:blip r:embed="rId3"/>
-          <a:stretch>
-            <a:fillRect/>
-          </a:stretch>
-        </p:blipFill>
+        </p:nvSpPr>
         <p:spPr>
           <a:xfrm>
-            <a:off x="4780813" y="0"/>
-            <a:ext cx="7049657" cy="6858000"/>
+            <a:off x="6096000" y="988032"/>
+            <a:ext cx="6177280" cy="369332"/>
           </a:xfrm>
           <a:prstGeom prst="rect">
             <a:avLst/>
           </a:prstGeom>
+          <a:noFill/>
         </p:spPr>
-      </p:pic>
+        <p:txBody>
+          <a:bodyPr wrap="square">
+            <a:spAutoFit/>
+          </a:bodyPr>
+          <a:lstStyle/>
+          <a:p>
+            <a:r>
+              <a:rPr lang="en-US" altLang="zh-CN" dirty="0"/>
+              <a:t>v5</a:t>
+            </a:r>
+            <a:endParaRPr lang="zh-CN" altLang="en-US" dirty="0"/>
+          </a:p>
+        </p:txBody>
+      </p:sp>
     </p:spTree>
     <p:extLst>
       <p:ext uri="{BB962C8B-B14F-4D97-AF65-F5344CB8AC3E}">
-        <p14:creationId xmlns:p14="http://schemas.microsoft.com/office/powerpoint/2010/main" val="4043264256"/>
+        <p14:creationId xmlns:p14="http://schemas.microsoft.com/office/powerpoint/2010/main" val="1997787575"/>
       </p:ext>
     </p:extLst>
   </p:cSld>
@@ -17134,273 +17303,423 @@
           <a:chExt cx="0" cy="0"/>
         </a:xfrm>
       </p:grpSpPr>
-      <p:sp>
-        <p:nvSpPr>
-          <p:cNvPr id="58" name="圆角矩形 57"/>
-          <p:cNvSpPr/>
-          <p:nvPr/>
-        </p:nvSpPr>
-        <p:spPr>
-          <a:xfrm rot="18900000" flipV="1">
-            <a:off x="-1162852" y="1052512"/>
-            <a:ext cx="2984500" cy="431800"/>
-          </a:xfrm>
-          <a:prstGeom prst="roundRect">
-            <a:avLst>
-              <a:gd name="adj" fmla="val 50000"/>
-            </a:avLst>
-          </a:prstGeom>
-          <a:solidFill>
-            <a:srgbClr val="37AB91"/>
-          </a:solidFill>
-          <a:ln>
-            <a:noFill/>
-          </a:ln>
-        </p:spPr>
-        <p:style>
-          <a:lnRef idx="2">
-            <a:schemeClr val="accent1">
-              <a:shade val="50000"/>
-            </a:schemeClr>
-          </a:lnRef>
-          <a:fillRef idx="1">
-            <a:schemeClr val="accent1"/>
-          </a:fillRef>
-          <a:effectRef idx="0">
-            <a:schemeClr val="accent1"/>
-          </a:effectRef>
-          <a:fontRef idx="minor">
-            <a:schemeClr val="lt1"/>
-          </a:fontRef>
-        </p:style>
-        <p:txBody>
-          <a:bodyPr rtlCol="0" anchor="ctr"/>
-          <a:lstStyle/>
-          <a:p>
-            <a:pPr algn="ctr"/>
-            <a:endParaRPr lang="zh-CN" altLang="en-US">
-              <a:cs typeface="+mn-ea"/>
-              <a:sym typeface="+mn-lt"/>
-            </a:endParaRPr>
-          </a:p>
-        </p:txBody>
-      </p:sp>
-      <p:sp>
-        <p:nvSpPr>
-          <p:cNvPr id="59" name="圆角矩形 58"/>
-          <p:cNvSpPr/>
-          <p:nvPr/>
-        </p:nvSpPr>
-        <p:spPr>
-          <a:xfrm rot="18900000" flipV="1">
-            <a:off x="914672" y="103227"/>
-            <a:ext cx="2984500" cy="431800"/>
-          </a:xfrm>
-          <a:prstGeom prst="roundRect">
-            <a:avLst>
-              <a:gd name="adj" fmla="val 50000"/>
-            </a:avLst>
-          </a:prstGeom>
-          <a:solidFill>
-            <a:srgbClr val="FF9409"/>
-          </a:solidFill>
-          <a:ln>
-            <a:noFill/>
-          </a:ln>
-        </p:spPr>
-        <p:style>
-          <a:lnRef idx="2">
-            <a:schemeClr val="accent1">
-              <a:shade val="50000"/>
-            </a:schemeClr>
-          </a:lnRef>
-          <a:fillRef idx="1">
-            <a:schemeClr val="accent1"/>
-          </a:fillRef>
-          <a:effectRef idx="0">
-            <a:schemeClr val="accent1"/>
-          </a:effectRef>
-          <a:fontRef idx="minor">
-            <a:schemeClr val="lt1"/>
-          </a:fontRef>
-        </p:style>
-        <p:txBody>
-          <a:bodyPr rtlCol="0" anchor="ctr"/>
-          <a:lstStyle/>
-          <a:p>
-            <a:pPr algn="ctr"/>
-            <a:endParaRPr lang="zh-CN" altLang="en-US">
-              <a:cs typeface="+mn-ea"/>
-              <a:sym typeface="+mn-lt"/>
-            </a:endParaRPr>
-          </a:p>
-        </p:txBody>
-      </p:sp>
-      <p:sp>
-        <p:nvSpPr>
-          <p:cNvPr id="60" name="圆角矩形 59"/>
-          <p:cNvSpPr/>
-          <p:nvPr/>
-        </p:nvSpPr>
-        <p:spPr>
-          <a:xfrm rot="18900000" flipV="1">
-            <a:off x="-1420315" y="2365619"/>
-            <a:ext cx="2984500" cy="431800"/>
-          </a:xfrm>
-          <a:prstGeom prst="roundRect">
-            <a:avLst>
-              <a:gd name="adj" fmla="val 50000"/>
-            </a:avLst>
-          </a:prstGeom>
-          <a:solidFill>
-            <a:srgbClr val="FF9409"/>
-          </a:solidFill>
-          <a:ln>
-            <a:noFill/>
-          </a:ln>
-        </p:spPr>
-        <p:style>
-          <a:lnRef idx="2">
-            <a:schemeClr val="accent1">
-              <a:shade val="50000"/>
-            </a:schemeClr>
-          </a:lnRef>
-          <a:fillRef idx="1">
-            <a:schemeClr val="accent1"/>
-          </a:fillRef>
-          <a:effectRef idx="0">
-            <a:schemeClr val="accent1"/>
-          </a:effectRef>
-          <a:fontRef idx="minor">
-            <a:schemeClr val="lt1"/>
-          </a:fontRef>
-        </p:style>
-        <p:txBody>
-          <a:bodyPr rtlCol="0" anchor="ctr"/>
-          <a:lstStyle/>
-          <a:p>
-            <a:pPr algn="ctr"/>
-            <a:endParaRPr lang="zh-CN" altLang="en-US">
-              <a:cs typeface="+mn-ea"/>
-              <a:sym typeface="+mn-lt"/>
-            </a:endParaRPr>
-          </a:p>
-        </p:txBody>
-      </p:sp>
       <p:grpSp>
         <p:nvGrpSpPr>
-          <p:cNvPr id="63" name="组合 62"/>
+          <p:cNvPr id="34" name="组合 33"/>
           <p:cNvGrpSpPr/>
           <p:nvPr/>
         </p:nvGrpSpPr>
         <p:grpSpPr>
           <a:xfrm>
-            <a:off x="2406922" y="127001"/>
-            <a:ext cx="1191905" cy="774700"/>
-            <a:chOff x="3647506" y="400042"/>
-            <a:chExt cx="1462508" cy="950583"/>
+            <a:off x="-158751" y="255365"/>
+            <a:ext cx="5797770" cy="788563"/>
+            <a:chOff x="-158751" y="255365"/>
+            <a:chExt cx="5797770" cy="788563"/>
           </a:xfrm>
         </p:grpSpPr>
+        <p:grpSp>
+          <p:nvGrpSpPr>
+            <p:cNvPr id="35" name="组合 34"/>
+            <p:cNvGrpSpPr/>
+            <p:nvPr/>
+          </p:nvGrpSpPr>
+          <p:grpSpPr>
+            <a:xfrm rot="5400000">
+              <a:off x="433600" y="-336986"/>
+              <a:ext cx="788563" cy="1973265"/>
+              <a:chOff x="998435" y="608805"/>
+              <a:chExt cx="1414431" cy="3539410"/>
+            </a:xfrm>
+          </p:grpSpPr>
+          <p:grpSp>
+            <p:nvGrpSpPr>
+              <p:cNvPr id="39" name="组合 38"/>
+              <p:cNvGrpSpPr/>
+              <p:nvPr/>
+            </p:nvGrpSpPr>
+            <p:grpSpPr>
+              <a:xfrm>
+                <a:off x="1513847" y="608805"/>
+                <a:ext cx="374943" cy="2281237"/>
+                <a:chOff x="3378207" y="1563846"/>
+                <a:chExt cx="232791" cy="1416352"/>
+              </a:xfrm>
+            </p:grpSpPr>
+            <p:sp>
+              <p:nvSpPr>
+                <p:cNvPr id="45" name="圆角矩形 44"/>
+                <p:cNvSpPr/>
+                <p:nvPr/>
+              </p:nvSpPr>
+              <p:spPr>
+                <a:xfrm rot="16200000" flipV="1">
+                  <a:off x="2960504" y="2329704"/>
+                  <a:ext cx="1068198" cy="232790"/>
+                </a:xfrm>
+                <a:prstGeom prst="roundRect">
+                  <a:avLst>
+                    <a:gd name="adj" fmla="val 50000"/>
+                  </a:avLst>
+                </a:prstGeom>
+                <a:solidFill>
+                  <a:srgbClr val="37AB91"/>
+                </a:solidFill>
+                <a:ln>
+                  <a:noFill/>
+                </a:ln>
+              </p:spPr>
+              <p:style>
+                <a:lnRef idx="2">
+                  <a:schemeClr val="accent1">
+                    <a:shade val="50000"/>
+                  </a:schemeClr>
+                </a:lnRef>
+                <a:fillRef idx="1">
+                  <a:schemeClr val="accent1"/>
+                </a:fillRef>
+                <a:effectRef idx="0">
+                  <a:schemeClr val="accent1"/>
+                </a:effectRef>
+                <a:fontRef idx="minor">
+                  <a:schemeClr val="lt1"/>
+                </a:fontRef>
+              </p:style>
+              <p:txBody>
+                <a:bodyPr rtlCol="0" anchor="ctr"/>
+                <a:lstStyle/>
+                <a:p>
+                  <a:pPr algn="ctr"/>
+                  <a:endParaRPr lang="zh-CN" altLang="en-US">
+                    <a:cs typeface="+mn-ea"/>
+                    <a:sym typeface="+mn-lt"/>
+                  </a:endParaRPr>
+                </a:p>
+              </p:txBody>
+            </p:sp>
+            <p:sp>
+              <p:nvSpPr>
+                <p:cNvPr id="57" name="椭圆 56"/>
+                <p:cNvSpPr/>
+                <p:nvPr/>
+              </p:nvSpPr>
+              <p:spPr>
+                <a:xfrm rot="16200000" flipV="1">
+                  <a:off x="3378713" y="1563340"/>
+                  <a:ext cx="231778" cy="232790"/>
+                </a:xfrm>
+                <a:prstGeom prst="ellipse">
+                  <a:avLst/>
+                </a:prstGeom>
+                <a:solidFill>
+                  <a:srgbClr val="37AB91"/>
+                </a:solidFill>
+                <a:ln>
+                  <a:noFill/>
+                </a:ln>
+              </p:spPr>
+              <p:style>
+                <a:lnRef idx="2">
+                  <a:schemeClr val="accent1">
+                    <a:shade val="50000"/>
+                  </a:schemeClr>
+                </a:lnRef>
+                <a:fillRef idx="1">
+                  <a:schemeClr val="accent1"/>
+                </a:fillRef>
+                <a:effectRef idx="0">
+                  <a:schemeClr val="accent1"/>
+                </a:effectRef>
+                <a:fontRef idx="minor">
+                  <a:schemeClr val="lt1"/>
+                </a:fontRef>
+              </p:style>
+              <p:txBody>
+                <a:bodyPr rtlCol="0" anchor="ctr"/>
+                <a:lstStyle/>
+                <a:p>
+                  <a:pPr algn="ctr"/>
+                  <a:endParaRPr lang="zh-CN" altLang="en-US">
+                    <a:cs typeface="+mn-ea"/>
+                    <a:sym typeface="+mn-lt"/>
+                  </a:endParaRPr>
+                </a:p>
+              </p:txBody>
+            </p:sp>
+          </p:grpSp>
+          <p:grpSp>
+            <p:nvGrpSpPr>
+              <p:cNvPr id="40" name="组合 39"/>
+              <p:cNvGrpSpPr/>
+              <p:nvPr/>
+            </p:nvGrpSpPr>
+            <p:grpSpPr>
+              <a:xfrm>
+                <a:off x="2212348" y="1293810"/>
+                <a:ext cx="200518" cy="1219995"/>
+                <a:chOff x="3378207" y="1563846"/>
+                <a:chExt cx="232791" cy="1416352"/>
+              </a:xfrm>
+              <a:solidFill>
+                <a:srgbClr val="FF9409"/>
+              </a:solidFill>
+            </p:grpSpPr>
+            <p:sp>
+              <p:nvSpPr>
+                <p:cNvPr id="43" name="圆角矩形 42"/>
+                <p:cNvSpPr/>
+                <p:nvPr/>
+              </p:nvSpPr>
+              <p:spPr>
+                <a:xfrm rot="16200000" flipV="1">
+                  <a:off x="2960504" y="2329704"/>
+                  <a:ext cx="1068198" cy="232790"/>
+                </a:xfrm>
+                <a:prstGeom prst="roundRect">
+                  <a:avLst>
+                    <a:gd name="adj" fmla="val 50000"/>
+                  </a:avLst>
+                </a:prstGeom>
+                <a:solidFill>
+                  <a:schemeClr val="tx1">
+                    <a:lumMod val="65000"/>
+                    <a:lumOff val="35000"/>
+                  </a:schemeClr>
+                </a:solidFill>
+                <a:ln>
+                  <a:noFill/>
+                </a:ln>
+              </p:spPr>
+              <p:style>
+                <a:lnRef idx="2">
+                  <a:schemeClr val="accent1">
+                    <a:shade val="50000"/>
+                  </a:schemeClr>
+                </a:lnRef>
+                <a:fillRef idx="1">
+                  <a:schemeClr val="accent1"/>
+                </a:fillRef>
+                <a:effectRef idx="0">
+                  <a:schemeClr val="accent1"/>
+                </a:effectRef>
+                <a:fontRef idx="minor">
+                  <a:schemeClr val="lt1"/>
+                </a:fontRef>
+              </p:style>
+              <p:txBody>
+                <a:bodyPr rtlCol="0" anchor="ctr"/>
+                <a:lstStyle/>
+                <a:p>
+                  <a:pPr algn="ctr"/>
+                  <a:endParaRPr lang="zh-CN" altLang="en-US">
+                    <a:cs typeface="+mn-ea"/>
+                    <a:sym typeface="+mn-lt"/>
+                  </a:endParaRPr>
+                </a:p>
+              </p:txBody>
+            </p:sp>
+            <p:sp>
+              <p:nvSpPr>
+                <p:cNvPr id="44" name="椭圆 43"/>
+                <p:cNvSpPr/>
+                <p:nvPr/>
+              </p:nvSpPr>
+              <p:spPr>
+                <a:xfrm rot="16200000" flipV="1">
+                  <a:off x="3378713" y="1563340"/>
+                  <a:ext cx="231778" cy="232790"/>
+                </a:xfrm>
+                <a:prstGeom prst="ellipse">
+                  <a:avLst/>
+                </a:prstGeom>
+                <a:solidFill>
+                  <a:schemeClr val="tx1">
+                    <a:lumMod val="65000"/>
+                    <a:lumOff val="35000"/>
+                  </a:schemeClr>
+                </a:solidFill>
+                <a:ln>
+                  <a:noFill/>
+                </a:ln>
+              </p:spPr>
+              <p:style>
+                <a:lnRef idx="2">
+                  <a:schemeClr val="accent1">
+                    <a:shade val="50000"/>
+                  </a:schemeClr>
+                </a:lnRef>
+                <a:fillRef idx="1">
+                  <a:schemeClr val="accent1"/>
+                </a:fillRef>
+                <a:effectRef idx="0">
+                  <a:schemeClr val="accent1"/>
+                </a:effectRef>
+                <a:fontRef idx="minor">
+                  <a:schemeClr val="lt1"/>
+                </a:fontRef>
+              </p:style>
+              <p:txBody>
+                <a:bodyPr rtlCol="0" anchor="ctr"/>
+                <a:lstStyle/>
+                <a:p>
+                  <a:pPr algn="ctr"/>
+                  <a:endParaRPr lang="zh-CN" altLang="en-US">
+                    <a:cs typeface="+mn-ea"/>
+                    <a:sym typeface="+mn-lt"/>
+                  </a:endParaRPr>
+                </a:p>
+              </p:txBody>
+            </p:sp>
+          </p:grpSp>
+          <p:sp>
+            <p:nvSpPr>
+              <p:cNvPr id="41" name="圆角矩形 40"/>
+              <p:cNvSpPr/>
+              <p:nvPr/>
+            </p:nvSpPr>
+            <p:spPr>
+              <a:xfrm rot="5400000">
+                <a:off x="1518573" y="3428738"/>
+                <a:ext cx="1064012" cy="374942"/>
+              </a:xfrm>
+              <a:prstGeom prst="roundRect">
+                <a:avLst>
+                  <a:gd name="adj" fmla="val 50000"/>
+                </a:avLst>
+              </a:prstGeom>
+              <a:solidFill>
+                <a:srgbClr val="37AB91"/>
+              </a:solidFill>
+              <a:ln>
+                <a:noFill/>
+              </a:ln>
+            </p:spPr>
+            <p:style>
+              <a:lnRef idx="2">
+                <a:schemeClr val="accent1">
+                  <a:shade val="50000"/>
+                </a:schemeClr>
+              </a:lnRef>
+              <a:fillRef idx="1">
+                <a:schemeClr val="accent1"/>
+              </a:fillRef>
+              <a:effectRef idx="0">
+                <a:schemeClr val="accent1"/>
+              </a:effectRef>
+              <a:fontRef idx="minor">
+                <a:schemeClr val="lt1"/>
+              </a:fontRef>
+            </p:style>
+            <p:txBody>
+              <a:bodyPr rtlCol="0" anchor="ctr"/>
+              <a:lstStyle/>
+              <a:p>
+                <a:pPr algn="ctr"/>
+                <a:endParaRPr lang="zh-CN" altLang="en-US">
+                  <a:cs typeface="+mn-ea"/>
+                  <a:sym typeface="+mn-lt"/>
+                </a:endParaRPr>
+              </a:p>
+            </p:txBody>
+          </p:sp>
+          <p:sp>
+            <p:nvSpPr>
+              <p:cNvPr id="42" name="圆角矩形 41"/>
+              <p:cNvSpPr/>
+              <p:nvPr/>
+            </p:nvSpPr>
+            <p:spPr>
+              <a:xfrm rot="5400000">
+                <a:off x="422843" y="3043475"/>
+                <a:ext cx="1471965" cy="320782"/>
+              </a:xfrm>
+              <a:prstGeom prst="roundRect">
+                <a:avLst>
+                  <a:gd name="adj" fmla="val 50000"/>
+                </a:avLst>
+              </a:prstGeom>
+              <a:solidFill>
+                <a:srgbClr val="FF9409"/>
+              </a:solidFill>
+              <a:ln>
+                <a:noFill/>
+              </a:ln>
+            </p:spPr>
+            <p:style>
+              <a:lnRef idx="2">
+                <a:schemeClr val="accent1">
+                  <a:shade val="50000"/>
+                </a:schemeClr>
+              </a:lnRef>
+              <a:fillRef idx="1">
+                <a:schemeClr val="accent1"/>
+              </a:fillRef>
+              <a:effectRef idx="0">
+                <a:schemeClr val="accent1"/>
+              </a:effectRef>
+              <a:fontRef idx="minor">
+                <a:schemeClr val="lt1"/>
+              </a:fontRef>
+            </p:style>
+            <p:txBody>
+              <a:bodyPr rtlCol="0" anchor="ctr"/>
+              <a:lstStyle/>
+              <a:p>
+                <a:pPr algn="ctr"/>
+                <a:endParaRPr lang="zh-CN" altLang="en-US">
+                  <a:cs typeface="+mn-ea"/>
+                  <a:sym typeface="+mn-lt"/>
+                </a:endParaRPr>
+              </a:p>
+            </p:txBody>
+          </p:sp>
+        </p:grpSp>
         <p:sp>
           <p:nvSpPr>
-            <p:cNvPr id="61" name="圆角矩形 60"/>
-            <p:cNvSpPr/>
+            <p:cNvPr id="37" name="文本框 36"/>
+            <p:cNvSpPr txBox="1"/>
             <p:nvPr/>
           </p:nvSpPr>
           <p:spPr>
-            <a:xfrm rot="18900000" flipV="1">
-              <a:off x="3647506" y="1064984"/>
-              <a:ext cx="1310715" cy="285641"/>
+            <a:xfrm>
+              <a:off x="2060219" y="337876"/>
+              <a:ext cx="3578800" cy="584775"/>
             </a:xfrm>
-            <a:prstGeom prst="roundRect">
-              <a:avLst>
-                <a:gd name="adj" fmla="val 50000"/>
-              </a:avLst>
+            <a:prstGeom prst="rect">
+              <a:avLst/>
             </a:prstGeom>
-            <a:solidFill>
-              <a:schemeClr val="tx1">
-                <a:lumMod val="65000"/>
-                <a:lumOff val="35000"/>
-              </a:schemeClr>
-            </a:solidFill>
-            <a:ln>
-              <a:noFill/>
-            </a:ln>
+            <a:noFill/>
           </p:spPr>
-          <p:style>
-            <a:lnRef idx="2">
-              <a:schemeClr val="accent1">
-                <a:shade val="50000"/>
-              </a:schemeClr>
-            </a:lnRef>
-            <a:fillRef idx="1">
-              <a:schemeClr val="accent1"/>
-            </a:fillRef>
-            <a:effectRef idx="0">
-              <a:schemeClr val="accent1"/>
-            </a:effectRef>
-            <a:fontRef idx="minor">
-              <a:schemeClr val="lt1"/>
-            </a:fontRef>
-          </p:style>
           <p:txBody>
-            <a:bodyPr rtlCol="0" anchor="ctr"/>
+            <a:bodyPr wrap="none" rtlCol="0">
+              <a:spAutoFit/>
+              <a:scene3d>
+                <a:camera prst="orthographicFront"/>
+                <a:lightRig rig="threePt" dir="t"/>
+              </a:scene3d>
+              <a:sp3d contourW="12700"/>
+            </a:bodyPr>
             <a:lstStyle/>
             <a:p>
-              <a:pPr algn="ctr"/>
-              <a:endParaRPr lang="zh-CN" altLang="en-US">
-                <a:cs typeface="+mn-ea"/>
-                <a:sym typeface="+mn-lt"/>
-              </a:endParaRPr>
-            </a:p>
-          </p:txBody>
-        </p:sp>
-        <p:sp>
-          <p:nvSpPr>
-            <p:cNvPr id="62" name="椭圆 61"/>
-            <p:cNvSpPr/>
-            <p:nvPr/>
-          </p:nvSpPr>
-          <p:spPr>
-            <a:xfrm rot="18900000" flipV="1">
-              <a:off x="4825614" y="400042"/>
-              <a:ext cx="284400" cy="285641"/>
-            </a:xfrm>
-            <a:prstGeom prst="ellipse">
-              <a:avLst/>
-            </a:prstGeom>
-            <a:solidFill>
-              <a:schemeClr val="tx1">
-                <a:lumMod val="65000"/>
-                <a:lumOff val="35000"/>
-              </a:schemeClr>
-            </a:solidFill>
-            <a:ln>
-              <a:noFill/>
-            </a:ln>
-          </p:spPr>
-          <p:style>
-            <a:lnRef idx="2">
-              <a:schemeClr val="accent1">
-                <a:shade val="50000"/>
-              </a:schemeClr>
-            </a:lnRef>
-            <a:fillRef idx="1">
-              <a:schemeClr val="accent1"/>
-            </a:fillRef>
-            <a:effectRef idx="0">
-              <a:schemeClr val="accent1"/>
-            </a:effectRef>
-            <a:fontRef idx="minor">
-              <a:schemeClr val="lt1"/>
-            </a:fontRef>
-          </p:style>
-          <p:txBody>
-            <a:bodyPr rtlCol="0" anchor="ctr"/>
-            <a:lstStyle/>
-            <a:p>
-              <a:pPr algn="ctr"/>
-              <a:endParaRPr lang="zh-CN" altLang="en-US">
+              <a:r>
+                <a:rPr lang="en-US" altLang="zh-CN" sz="3200" b="1" dirty="0">
+                  <a:solidFill>
+                    <a:schemeClr val="tx1">
+                      <a:lumMod val="75000"/>
+                      <a:lumOff val="25000"/>
+                    </a:schemeClr>
+                  </a:solidFill>
+                  <a:cs typeface="+mn-ea"/>
+                  <a:sym typeface="+mn-lt"/>
+                </a:rPr>
+                <a:t>Yolov5 VS Yolov8</a:t>
+              </a:r>
+              <a:endParaRPr lang="zh-CN" altLang="en-US" sz="3200" b="1" dirty="0">
+                <a:solidFill>
+                  <a:schemeClr val="tx1">
+                    <a:lumMod val="75000"/>
+                    <a:lumOff val="25000"/>
+                  </a:schemeClr>
+                </a:solidFill>
                 <a:cs typeface="+mn-ea"/>
                 <a:sym typeface="+mn-lt"/>
               </a:endParaRPr>
@@ -17408,282 +17727,72 @@
           </p:txBody>
         </p:sp>
       </p:grpSp>
+      <p:pic>
+        <p:nvPicPr>
+          <p:cNvPr id="8" name="图片 7">
+            <a:extLst>
+              <a:ext uri="{FF2B5EF4-FFF2-40B4-BE49-F238E27FC236}">
+                <a16:creationId xmlns:a16="http://schemas.microsoft.com/office/drawing/2014/main" id="{8B73E5D4-5165-068B-876B-53AFAEC93A10}"/>
+              </a:ext>
+            </a:extLst>
+          </p:cNvPr>
+          <p:cNvPicPr>
+            <a:picLocks noChangeAspect="1"/>
+          </p:cNvPicPr>
+          <p:nvPr/>
+        </p:nvPicPr>
+        <p:blipFill>
+          <a:blip r:embed="rId3"/>
+          <a:stretch>
+            <a:fillRect/>
+          </a:stretch>
+        </p:blipFill>
+        <p:spPr>
+          <a:xfrm>
+            <a:off x="6318464" y="1874202"/>
+            <a:ext cx="6009406" cy="3692855"/>
+          </a:xfrm>
+          <a:prstGeom prst="rect">
+            <a:avLst/>
+          </a:prstGeom>
+        </p:spPr>
+      </p:pic>
+      <p:pic>
+        <p:nvPicPr>
+          <p:cNvPr id="9" name="图片 8">
+            <a:extLst>
+              <a:ext uri="{FF2B5EF4-FFF2-40B4-BE49-F238E27FC236}">
+                <a16:creationId xmlns:a16="http://schemas.microsoft.com/office/drawing/2014/main" id="{5CADAEAF-C2F6-EFEB-ECF5-A91D2B4D3A7E}"/>
+              </a:ext>
+            </a:extLst>
+          </p:cNvPr>
+          <p:cNvPicPr>
+            <a:picLocks noChangeAspect="1"/>
+          </p:cNvPicPr>
+          <p:nvPr/>
+        </p:nvPicPr>
+        <p:blipFill>
+          <a:blip r:embed="rId4"/>
+          <a:stretch>
+            <a:fillRect/>
+          </a:stretch>
+        </p:blipFill>
+        <p:spPr>
+          <a:xfrm>
+            <a:off x="137849" y="1907290"/>
+            <a:ext cx="6180615" cy="3784918"/>
+          </a:xfrm>
+          <a:prstGeom prst="rect">
+            <a:avLst/>
+          </a:prstGeom>
+        </p:spPr>
+      </p:pic>
       <p:sp>
         <p:nvSpPr>
-          <p:cNvPr id="64" name="圆角矩形 63"/>
-          <p:cNvSpPr/>
-          <p:nvPr/>
-        </p:nvSpPr>
-        <p:spPr>
-          <a:xfrm rot="18900000" flipV="1">
-            <a:off x="11342808" y="5516494"/>
-            <a:ext cx="1847676" cy="267323"/>
-          </a:xfrm>
-          <a:prstGeom prst="roundRect">
-            <a:avLst>
-              <a:gd name="adj" fmla="val 50000"/>
-            </a:avLst>
-          </a:prstGeom>
-          <a:solidFill>
-            <a:srgbClr val="37AB91"/>
-          </a:solidFill>
-          <a:ln>
-            <a:noFill/>
-          </a:ln>
-        </p:spPr>
-        <p:style>
-          <a:lnRef idx="2">
-            <a:schemeClr val="accent1">
-              <a:shade val="50000"/>
-            </a:schemeClr>
-          </a:lnRef>
-          <a:fillRef idx="1">
-            <a:schemeClr val="accent1"/>
-          </a:fillRef>
-          <a:effectRef idx="0">
-            <a:schemeClr val="accent1"/>
-          </a:effectRef>
-          <a:fontRef idx="minor">
-            <a:schemeClr val="lt1"/>
-          </a:fontRef>
-        </p:style>
-        <p:txBody>
-          <a:bodyPr rtlCol="0" anchor="ctr"/>
-          <a:lstStyle/>
-          <a:p>
-            <a:pPr algn="ctr"/>
-            <a:endParaRPr lang="zh-CN" altLang="en-US">
-              <a:cs typeface="+mn-ea"/>
-              <a:sym typeface="+mn-lt"/>
-            </a:endParaRPr>
-          </a:p>
-        </p:txBody>
-      </p:sp>
-      <p:sp>
-        <p:nvSpPr>
-          <p:cNvPr id="65" name="圆角矩形 64"/>
-          <p:cNvSpPr/>
-          <p:nvPr/>
-        </p:nvSpPr>
-        <p:spPr>
-          <a:xfrm rot="18900000" flipV="1">
-            <a:off x="8617193" y="6642100"/>
-            <a:ext cx="2984500" cy="431800"/>
-          </a:xfrm>
-          <a:prstGeom prst="roundRect">
-            <a:avLst>
-              <a:gd name="adj" fmla="val 50000"/>
-            </a:avLst>
-          </a:prstGeom>
-          <a:solidFill>
-            <a:srgbClr val="FF9409"/>
-          </a:solidFill>
-          <a:ln>
-            <a:noFill/>
-          </a:ln>
-        </p:spPr>
-        <p:style>
-          <a:lnRef idx="2">
-            <a:schemeClr val="accent1">
-              <a:shade val="50000"/>
-            </a:schemeClr>
-          </a:lnRef>
-          <a:fillRef idx="1">
-            <a:schemeClr val="accent1"/>
-          </a:fillRef>
-          <a:effectRef idx="0">
-            <a:schemeClr val="accent1"/>
-          </a:effectRef>
-          <a:fontRef idx="minor">
-            <a:schemeClr val="lt1"/>
-          </a:fontRef>
-        </p:style>
-        <p:txBody>
-          <a:bodyPr rtlCol="0" anchor="ctr"/>
-          <a:lstStyle/>
-          <a:p>
-            <a:pPr algn="ctr"/>
-            <a:endParaRPr lang="zh-CN" altLang="en-US">
-              <a:cs typeface="+mn-ea"/>
-              <a:sym typeface="+mn-lt"/>
-            </a:endParaRPr>
-          </a:p>
-        </p:txBody>
-      </p:sp>
-      <p:sp>
-        <p:nvSpPr>
-          <p:cNvPr id="66" name="圆角矩形 65"/>
-          <p:cNvSpPr/>
-          <p:nvPr/>
-        </p:nvSpPr>
-        <p:spPr>
-          <a:xfrm rot="18900000" flipV="1">
-            <a:off x="11087419" y="4499418"/>
-            <a:ext cx="2412212" cy="349001"/>
-          </a:xfrm>
-          <a:prstGeom prst="roundRect">
-            <a:avLst>
-              <a:gd name="adj" fmla="val 50000"/>
-            </a:avLst>
-          </a:prstGeom>
-          <a:solidFill>
-            <a:schemeClr val="tx1">
-              <a:lumMod val="65000"/>
-              <a:lumOff val="35000"/>
-            </a:schemeClr>
-          </a:solidFill>
-          <a:ln>
-            <a:noFill/>
-          </a:ln>
-        </p:spPr>
-        <p:style>
-          <a:lnRef idx="2">
-            <a:schemeClr val="accent1">
-              <a:shade val="50000"/>
-            </a:schemeClr>
-          </a:lnRef>
-          <a:fillRef idx="1">
-            <a:schemeClr val="accent1"/>
-          </a:fillRef>
-          <a:effectRef idx="0">
-            <a:schemeClr val="accent1"/>
-          </a:effectRef>
-          <a:fontRef idx="minor">
-            <a:schemeClr val="lt1"/>
-          </a:fontRef>
-        </p:style>
-        <p:txBody>
-          <a:bodyPr rtlCol="0" anchor="ctr"/>
-          <a:lstStyle/>
-          <a:p>
-            <a:pPr algn="ctr"/>
-            <a:endParaRPr lang="zh-CN" altLang="en-US">
-              <a:cs typeface="+mn-ea"/>
-              <a:sym typeface="+mn-lt"/>
-            </a:endParaRPr>
-          </a:p>
-        </p:txBody>
-      </p:sp>
-      <p:grpSp>
-        <p:nvGrpSpPr>
-          <p:cNvPr id="67" name="组合 66"/>
-          <p:cNvGrpSpPr/>
-          <p:nvPr/>
-        </p:nvGrpSpPr>
-        <p:grpSpPr>
-          <a:xfrm rot="10800000">
-            <a:off x="9602967" y="5124736"/>
-            <a:ext cx="1777794" cy="1155509"/>
-            <a:chOff x="3647506" y="400042"/>
-            <a:chExt cx="1462508" cy="950583"/>
-          </a:xfrm>
-          <a:solidFill>
-            <a:srgbClr val="37AB91"/>
-          </a:solidFill>
-        </p:grpSpPr>
-        <p:sp>
-          <p:nvSpPr>
-            <p:cNvPr id="68" name="圆角矩形 67"/>
-            <p:cNvSpPr/>
-            <p:nvPr/>
-          </p:nvSpPr>
-          <p:spPr>
-            <a:xfrm rot="18900000" flipV="1">
-              <a:off x="3647506" y="1064984"/>
-              <a:ext cx="1310715" cy="285641"/>
-            </a:xfrm>
-            <a:prstGeom prst="roundRect">
-              <a:avLst>
-                <a:gd name="adj" fmla="val 50000"/>
-              </a:avLst>
-            </a:prstGeom>
-            <a:grpFill/>
-            <a:ln>
-              <a:noFill/>
-            </a:ln>
-          </p:spPr>
-          <p:style>
-            <a:lnRef idx="2">
-              <a:schemeClr val="accent1">
-                <a:shade val="50000"/>
-              </a:schemeClr>
-            </a:lnRef>
-            <a:fillRef idx="1">
-              <a:schemeClr val="accent1"/>
-            </a:fillRef>
-            <a:effectRef idx="0">
-              <a:schemeClr val="accent1"/>
-            </a:effectRef>
-            <a:fontRef idx="minor">
-              <a:schemeClr val="lt1"/>
-            </a:fontRef>
-          </p:style>
-          <p:txBody>
-            <a:bodyPr rtlCol="0" anchor="ctr"/>
-            <a:lstStyle/>
-            <a:p>
-              <a:pPr algn="ctr"/>
-              <a:endParaRPr lang="zh-CN" altLang="en-US">
-                <a:cs typeface="+mn-ea"/>
-                <a:sym typeface="+mn-lt"/>
-              </a:endParaRPr>
-            </a:p>
-          </p:txBody>
-        </p:sp>
-        <p:sp>
-          <p:nvSpPr>
-            <p:cNvPr id="69" name="椭圆 68"/>
-            <p:cNvSpPr/>
-            <p:nvPr/>
-          </p:nvSpPr>
-          <p:spPr>
-            <a:xfrm rot="18900000" flipV="1">
-              <a:off x="4825614" y="400042"/>
-              <a:ext cx="284400" cy="285641"/>
-            </a:xfrm>
-            <a:prstGeom prst="ellipse">
-              <a:avLst/>
-            </a:prstGeom>
-            <a:grpFill/>
-            <a:ln>
-              <a:noFill/>
-            </a:ln>
-          </p:spPr>
-          <p:style>
-            <a:lnRef idx="2">
-              <a:schemeClr val="accent1">
-                <a:shade val="50000"/>
-              </a:schemeClr>
-            </a:lnRef>
-            <a:fillRef idx="1">
-              <a:schemeClr val="accent1"/>
-            </a:fillRef>
-            <a:effectRef idx="0">
-              <a:schemeClr val="accent1"/>
-            </a:effectRef>
-            <a:fontRef idx="minor">
-              <a:schemeClr val="lt1"/>
-            </a:fontRef>
-          </p:style>
-          <p:txBody>
-            <a:bodyPr rtlCol="0" anchor="ctr"/>
-            <a:lstStyle/>
-            <a:p>
-              <a:pPr algn="ctr"/>
-              <a:endParaRPr lang="zh-CN" altLang="en-US">
-                <a:cs typeface="+mn-ea"/>
-                <a:sym typeface="+mn-lt"/>
-              </a:endParaRPr>
-            </a:p>
-          </p:txBody>
-        </p:sp>
-      </p:grpSp>
-      <p:sp>
-        <p:nvSpPr>
-          <p:cNvPr id="22" name="文本框 21">
+          <p:cNvPr id="11" name="文本框 10">
             <a:extLst>
               <a:ext uri="{FF2B5EF4-FFF2-40B4-BE49-F238E27FC236}">
-                <a16:creationId xmlns:a16="http://schemas.microsoft.com/office/drawing/2014/main" id="{BD4CC0F8-906C-4B67-A4FC-532EA7FEB5A6}"/>
+                <a16:creationId xmlns:a16="http://schemas.microsoft.com/office/drawing/2014/main" id="{7EBBC36B-59EB-59CC-A8F1-F9E6C4EC604A}"/>
               </a:ext>
             </a:extLst>
           </p:cNvPr>
@@ -17692,8 +17801,8 @@
         </p:nvSpPr>
         <p:spPr>
           <a:xfrm>
-            <a:off x="1968748" y="2360119"/>
-            <a:ext cx="8254504" cy="3693319"/>
+            <a:off x="542695" y="1290943"/>
+            <a:ext cx="6177280" cy="369332"/>
           </a:xfrm>
           <a:prstGeom prst="rect">
             <a:avLst/>
@@ -17701,698 +17810,77 @@
           <a:noFill/>
         </p:spPr>
         <p:txBody>
-          <a:bodyPr wrap="square" rtlCol="0">
+          <a:bodyPr wrap="square">
             <a:spAutoFit/>
           </a:bodyPr>
           <a:lstStyle/>
           <a:p>
             <a:r>
-              <a:rPr lang="zh-CN" altLang="en-US" sz="9600" b="1" dirty="0">
-                <a:solidFill>
-                  <a:schemeClr val="tx1">
-                    <a:lumMod val="75000"/>
-                    <a:lumOff val="25000"/>
-                  </a:schemeClr>
-                </a:solidFill>
-                <a:cs typeface="+mn-ea"/>
-                <a:sym typeface="+mn-lt"/>
-              </a:rPr>
-              <a:t>感谢您的观看！</a:t>
+              <a:rPr lang="en-US" altLang="zh-CN" dirty="0"/>
+              <a:t>v8</a:t>
             </a:r>
+            <a:endParaRPr lang="zh-CN" altLang="en-US" dirty="0"/>
           </a:p>
+        </p:txBody>
+      </p:sp>
+      <p:sp>
+        <p:nvSpPr>
+          <p:cNvPr id="14" name="文本框 13">
+            <a:extLst>
+              <a:ext uri="{FF2B5EF4-FFF2-40B4-BE49-F238E27FC236}">
+                <a16:creationId xmlns:a16="http://schemas.microsoft.com/office/drawing/2014/main" id="{BCDAFB42-E537-31AC-EB4D-BD067613CA5B}"/>
+              </a:ext>
+            </a:extLst>
+          </p:cNvPr>
+          <p:cNvSpPr txBox="1"/>
+          <p:nvPr/>
+        </p:nvSpPr>
+        <p:spPr>
+          <a:xfrm>
+            <a:off x="6719975" y="1290943"/>
+            <a:ext cx="6177280" cy="369332"/>
+          </a:xfrm>
+          <a:prstGeom prst="rect">
+            <a:avLst/>
+          </a:prstGeom>
+          <a:noFill/>
+        </p:spPr>
+        <p:txBody>
+          <a:bodyPr wrap="square">
+            <a:spAutoFit/>
+          </a:bodyPr>
+          <a:lstStyle/>
           <a:p>
-            <a:endParaRPr lang="zh-CN" altLang="en-US" sz="13800" dirty="0">
-              <a:cs typeface="+mn-ea"/>
-              <a:sym typeface="+mn-lt"/>
-            </a:endParaRPr>
+            <a:r>
+              <a:rPr lang="en-US" altLang="zh-CN" dirty="0"/>
+              <a:t>v5</a:t>
+            </a:r>
+            <a:endParaRPr lang="zh-CN" altLang="en-US" dirty="0"/>
           </a:p>
         </p:txBody>
       </p:sp>
     </p:spTree>
     <p:extLst>
       <p:ext uri="{BB962C8B-B14F-4D97-AF65-F5344CB8AC3E}">
-        <p14:creationId xmlns:p14="http://schemas.microsoft.com/office/powerpoint/2010/main" val="3253497739"/>
+        <p14:creationId xmlns:p14="http://schemas.microsoft.com/office/powerpoint/2010/main" val="2735370355"/>
       </p:ext>
     </p:extLst>
   </p:cSld>
   <p:clrMapOvr>
     <a:masterClrMapping/>
   </p:clrMapOvr>
-  <mc:AlternateContent xmlns:mc="http://schemas.openxmlformats.org/markup-compatibility/2006" xmlns:p14="http://schemas.microsoft.com/office/powerpoint/2010/main">
-    <mc:Choice Requires="p14">
+  <mc:AlternateContent xmlns:mc="http://schemas.openxmlformats.org/markup-compatibility/2006">
+    <mc:Choice xmlns:p14="http://schemas.microsoft.com/office/powerpoint/2010/main" Requires="p14">
       <p:transition spd="slow" p14:dur="1500" advTm="0">
         <p:random/>
       </p:transition>
     </mc:Choice>
-    <mc:Fallback xmlns="">
+    <mc:Fallback>
       <p:transition spd="slow" advTm="0">
         <p:random/>
       </p:transition>
     </mc:Fallback>
   </mc:AlternateContent>
-  <p:timing>
-    <p:tnLst>
-      <p:par>
-        <p:cTn id="1" dur="indefinite" restart="never" nodeType="tmRoot">
-          <p:childTnLst>
-            <p:seq concurrent="1" nextAc="seek">
-              <p:cTn id="2" dur="indefinite" nodeType="mainSeq">
-                <p:childTnLst>
-                  <p:par>
-                    <p:cTn id="3" fill="hold">
-                      <p:stCondLst>
-                        <p:cond delay="indefinite"/>
-                        <p:cond evt="onBegin" delay="0">
-                          <p:tn val="2"/>
-                        </p:cond>
-                      </p:stCondLst>
-                      <p:childTnLst>
-                        <p:par>
-                          <p:cTn id="4" fill="hold">
-                            <p:stCondLst>
-                              <p:cond delay="0"/>
-                            </p:stCondLst>
-                            <p:childTnLst>
-                              <p:par>
-                                <p:cTn id="5" presetID="2" presetClass="entr" presetSubtype="12" decel="100000" fill="hold" grpId="0" nodeType="withEffect">
-                                  <p:stCondLst>
-                                    <p:cond delay="0"/>
-                                  </p:stCondLst>
-                                  <p:childTnLst>
-                                    <p:set>
-                                      <p:cBhvr>
-                                        <p:cTn id="6" dur="1" fill="hold">
-                                          <p:stCondLst>
-                                            <p:cond delay="0"/>
-                                          </p:stCondLst>
-                                        </p:cTn>
-                                        <p:tgtEl>
-                                          <p:spTgt spid="58"/>
-                                        </p:tgtEl>
-                                        <p:attrNameLst>
-                                          <p:attrName>style.visibility</p:attrName>
-                                        </p:attrNameLst>
-                                      </p:cBhvr>
-                                      <p:to>
-                                        <p:strVal val="visible"/>
-                                      </p:to>
-                                    </p:set>
-                                    <p:anim calcmode="lin" valueType="num">
-                                      <p:cBhvr additive="base">
-                                        <p:cTn id="7" dur="1000" fill="hold"/>
-                                        <p:tgtEl>
-                                          <p:spTgt spid="58"/>
-                                        </p:tgtEl>
-                                        <p:attrNameLst>
-                                          <p:attrName>ppt_x</p:attrName>
-                                        </p:attrNameLst>
-                                      </p:cBhvr>
-                                      <p:tavLst>
-                                        <p:tav tm="0">
-                                          <p:val>
-                                            <p:strVal val="0-#ppt_w/2"/>
-                                          </p:val>
-                                        </p:tav>
-                                        <p:tav tm="100000">
-                                          <p:val>
-                                            <p:strVal val="#ppt_x"/>
-                                          </p:val>
-                                        </p:tav>
-                                      </p:tavLst>
-                                    </p:anim>
-                                    <p:anim calcmode="lin" valueType="num">
-                                      <p:cBhvr additive="base">
-                                        <p:cTn id="8" dur="1000" fill="hold"/>
-                                        <p:tgtEl>
-                                          <p:spTgt spid="58"/>
-                                        </p:tgtEl>
-                                        <p:attrNameLst>
-                                          <p:attrName>ppt_y</p:attrName>
-                                        </p:attrNameLst>
-                                      </p:cBhvr>
-                                      <p:tavLst>
-                                        <p:tav tm="0">
-                                          <p:val>
-                                            <p:strVal val="1+#ppt_h/2"/>
-                                          </p:val>
-                                        </p:tav>
-                                        <p:tav tm="100000">
-                                          <p:val>
-                                            <p:strVal val="#ppt_y"/>
-                                          </p:val>
-                                        </p:tav>
-                                      </p:tavLst>
-                                    </p:anim>
-                                  </p:childTnLst>
-                                </p:cTn>
-                              </p:par>
-                              <p:par>
-                                <p:cTn id="9" presetID="2" presetClass="entr" presetSubtype="12" decel="100000" fill="hold" grpId="0" nodeType="withEffect">
-                                  <p:stCondLst>
-                                    <p:cond delay="0"/>
-                                  </p:stCondLst>
-                                  <p:childTnLst>
-                                    <p:set>
-                                      <p:cBhvr>
-                                        <p:cTn id="10" dur="1" fill="hold">
-                                          <p:stCondLst>
-                                            <p:cond delay="0"/>
-                                          </p:stCondLst>
-                                        </p:cTn>
-                                        <p:tgtEl>
-                                          <p:spTgt spid="59"/>
-                                        </p:tgtEl>
-                                        <p:attrNameLst>
-                                          <p:attrName>style.visibility</p:attrName>
-                                        </p:attrNameLst>
-                                      </p:cBhvr>
-                                      <p:to>
-                                        <p:strVal val="visible"/>
-                                      </p:to>
-                                    </p:set>
-                                    <p:anim calcmode="lin" valueType="num">
-                                      <p:cBhvr additive="base">
-                                        <p:cTn id="11" dur="1000" fill="hold"/>
-                                        <p:tgtEl>
-                                          <p:spTgt spid="59"/>
-                                        </p:tgtEl>
-                                        <p:attrNameLst>
-                                          <p:attrName>ppt_x</p:attrName>
-                                        </p:attrNameLst>
-                                      </p:cBhvr>
-                                      <p:tavLst>
-                                        <p:tav tm="0">
-                                          <p:val>
-                                            <p:strVal val="0-#ppt_w/2"/>
-                                          </p:val>
-                                        </p:tav>
-                                        <p:tav tm="100000">
-                                          <p:val>
-                                            <p:strVal val="#ppt_x"/>
-                                          </p:val>
-                                        </p:tav>
-                                      </p:tavLst>
-                                    </p:anim>
-                                    <p:anim calcmode="lin" valueType="num">
-                                      <p:cBhvr additive="base">
-                                        <p:cTn id="12" dur="1000" fill="hold"/>
-                                        <p:tgtEl>
-                                          <p:spTgt spid="59"/>
-                                        </p:tgtEl>
-                                        <p:attrNameLst>
-                                          <p:attrName>ppt_y</p:attrName>
-                                        </p:attrNameLst>
-                                      </p:cBhvr>
-                                      <p:tavLst>
-                                        <p:tav tm="0">
-                                          <p:val>
-                                            <p:strVal val="1+#ppt_h/2"/>
-                                          </p:val>
-                                        </p:tav>
-                                        <p:tav tm="100000">
-                                          <p:val>
-                                            <p:strVal val="#ppt_y"/>
-                                          </p:val>
-                                        </p:tav>
-                                      </p:tavLst>
-                                    </p:anim>
-                                  </p:childTnLst>
-                                </p:cTn>
-                              </p:par>
-                              <p:par>
-                                <p:cTn id="13" presetID="2" presetClass="entr" presetSubtype="12" decel="100000" fill="hold" grpId="0" nodeType="withEffect">
-                                  <p:stCondLst>
-                                    <p:cond delay="0"/>
-                                  </p:stCondLst>
-                                  <p:childTnLst>
-                                    <p:set>
-                                      <p:cBhvr>
-                                        <p:cTn id="14" dur="1" fill="hold">
-                                          <p:stCondLst>
-                                            <p:cond delay="0"/>
-                                          </p:stCondLst>
-                                        </p:cTn>
-                                        <p:tgtEl>
-                                          <p:spTgt spid="60"/>
-                                        </p:tgtEl>
-                                        <p:attrNameLst>
-                                          <p:attrName>style.visibility</p:attrName>
-                                        </p:attrNameLst>
-                                      </p:cBhvr>
-                                      <p:to>
-                                        <p:strVal val="visible"/>
-                                      </p:to>
-                                    </p:set>
-                                    <p:anim calcmode="lin" valueType="num">
-                                      <p:cBhvr additive="base">
-                                        <p:cTn id="15" dur="1000" fill="hold"/>
-                                        <p:tgtEl>
-                                          <p:spTgt spid="60"/>
-                                        </p:tgtEl>
-                                        <p:attrNameLst>
-                                          <p:attrName>ppt_x</p:attrName>
-                                        </p:attrNameLst>
-                                      </p:cBhvr>
-                                      <p:tavLst>
-                                        <p:tav tm="0">
-                                          <p:val>
-                                            <p:strVal val="0-#ppt_w/2"/>
-                                          </p:val>
-                                        </p:tav>
-                                        <p:tav tm="100000">
-                                          <p:val>
-                                            <p:strVal val="#ppt_x"/>
-                                          </p:val>
-                                        </p:tav>
-                                      </p:tavLst>
-                                    </p:anim>
-                                    <p:anim calcmode="lin" valueType="num">
-                                      <p:cBhvr additive="base">
-                                        <p:cTn id="16" dur="1000" fill="hold"/>
-                                        <p:tgtEl>
-                                          <p:spTgt spid="60"/>
-                                        </p:tgtEl>
-                                        <p:attrNameLst>
-                                          <p:attrName>ppt_y</p:attrName>
-                                        </p:attrNameLst>
-                                      </p:cBhvr>
-                                      <p:tavLst>
-                                        <p:tav tm="0">
-                                          <p:val>
-                                            <p:strVal val="1+#ppt_h/2"/>
-                                          </p:val>
-                                        </p:tav>
-                                        <p:tav tm="100000">
-                                          <p:val>
-                                            <p:strVal val="#ppt_y"/>
-                                          </p:val>
-                                        </p:tav>
-                                      </p:tavLst>
-                                    </p:anim>
-                                  </p:childTnLst>
-                                </p:cTn>
-                              </p:par>
-                              <p:par>
-                                <p:cTn id="17" presetID="2" presetClass="entr" presetSubtype="12" decel="100000" fill="hold" nodeType="withEffect">
-                                  <p:stCondLst>
-                                    <p:cond delay="0"/>
-                                  </p:stCondLst>
-                                  <p:childTnLst>
-                                    <p:set>
-                                      <p:cBhvr>
-                                        <p:cTn id="18" dur="1" fill="hold">
-                                          <p:stCondLst>
-                                            <p:cond delay="0"/>
-                                          </p:stCondLst>
-                                        </p:cTn>
-                                        <p:tgtEl>
-                                          <p:spTgt spid="63"/>
-                                        </p:tgtEl>
-                                        <p:attrNameLst>
-                                          <p:attrName>style.visibility</p:attrName>
-                                        </p:attrNameLst>
-                                      </p:cBhvr>
-                                      <p:to>
-                                        <p:strVal val="visible"/>
-                                      </p:to>
-                                    </p:set>
-                                    <p:anim calcmode="lin" valueType="num">
-                                      <p:cBhvr additive="base">
-                                        <p:cTn id="19" dur="1000" fill="hold"/>
-                                        <p:tgtEl>
-                                          <p:spTgt spid="63"/>
-                                        </p:tgtEl>
-                                        <p:attrNameLst>
-                                          <p:attrName>ppt_x</p:attrName>
-                                        </p:attrNameLst>
-                                      </p:cBhvr>
-                                      <p:tavLst>
-                                        <p:tav tm="0">
-                                          <p:val>
-                                            <p:strVal val="0-#ppt_w/2"/>
-                                          </p:val>
-                                        </p:tav>
-                                        <p:tav tm="100000">
-                                          <p:val>
-                                            <p:strVal val="#ppt_x"/>
-                                          </p:val>
-                                        </p:tav>
-                                      </p:tavLst>
-                                    </p:anim>
-                                    <p:anim calcmode="lin" valueType="num">
-                                      <p:cBhvr additive="base">
-                                        <p:cTn id="20" dur="1000" fill="hold"/>
-                                        <p:tgtEl>
-                                          <p:spTgt spid="63"/>
-                                        </p:tgtEl>
-                                        <p:attrNameLst>
-                                          <p:attrName>ppt_y</p:attrName>
-                                        </p:attrNameLst>
-                                      </p:cBhvr>
-                                      <p:tavLst>
-                                        <p:tav tm="0">
-                                          <p:val>
-                                            <p:strVal val="1+#ppt_h/2"/>
-                                          </p:val>
-                                        </p:tav>
-                                        <p:tav tm="100000">
-                                          <p:val>
-                                            <p:strVal val="#ppt_y"/>
-                                          </p:val>
-                                        </p:tav>
-                                      </p:tavLst>
-                                    </p:anim>
-                                  </p:childTnLst>
-                                </p:cTn>
-                              </p:par>
-                              <p:par>
-                                <p:cTn id="21" presetID="2" presetClass="entr" presetSubtype="3" decel="100000" fill="hold" grpId="0" nodeType="withEffect">
-                                  <p:stCondLst>
-                                    <p:cond delay="0"/>
-                                  </p:stCondLst>
-                                  <p:childTnLst>
-                                    <p:set>
-                                      <p:cBhvr>
-                                        <p:cTn id="22" dur="1" fill="hold">
-                                          <p:stCondLst>
-                                            <p:cond delay="0"/>
-                                          </p:stCondLst>
-                                        </p:cTn>
-                                        <p:tgtEl>
-                                          <p:spTgt spid="64"/>
-                                        </p:tgtEl>
-                                        <p:attrNameLst>
-                                          <p:attrName>style.visibility</p:attrName>
-                                        </p:attrNameLst>
-                                      </p:cBhvr>
-                                      <p:to>
-                                        <p:strVal val="visible"/>
-                                      </p:to>
-                                    </p:set>
-                                    <p:anim calcmode="lin" valueType="num">
-                                      <p:cBhvr additive="base">
-                                        <p:cTn id="23" dur="1000" fill="hold"/>
-                                        <p:tgtEl>
-                                          <p:spTgt spid="64"/>
-                                        </p:tgtEl>
-                                        <p:attrNameLst>
-                                          <p:attrName>ppt_x</p:attrName>
-                                        </p:attrNameLst>
-                                      </p:cBhvr>
-                                      <p:tavLst>
-                                        <p:tav tm="0">
-                                          <p:val>
-                                            <p:strVal val="1+#ppt_w/2"/>
-                                          </p:val>
-                                        </p:tav>
-                                        <p:tav tm="100000">
-                                          <p:val>
-                                            <p:strVal val="#ppt_x"/>
-                                          </p:val>
-                                        </p:tav>
-                                      </p:tavLst>
-                                    </p:anim>
-                                    <p:anim calcmode="lin" valueType="num">
-                                      <p:cBhvr additive="base">
-                                        <p:cTn id="24" dur="1000" fill="hold"/>
-                                        <p:tgtEl>
-                                          <p:spTgt spid="64"/>
-                                        </p:tgtEl>
-                                        <p:attrNameLst>
-                                          <p:attrName>ppt_y</p:attrName>
-                                        </p:attrNameLst>
-                                      </p:cBhvr>
-                                      <p:tavLst>
-                                        <p:tav tm="0">
-                                          <p:val>
-                                            <p:strVal val="0-#ppt_h/2"/>
-                                          </p:val>
-                                        </p:tav>
-                                        <p:tav tm="100000">
-                                          <p:val>
-                                            <p:strVal val="#ppt_y"/>
-                                          </p:val>
-                                        </p:tav>
-                                      </p:tavLst>
-                                    </p:anim>
-                                  </p:childTnLst>
-                                </p:cTn>
-                              </p:par>
-                              <p:par>
-                                <p:cTn id="25" presetID="2" presetClass="entr" presetSubtype="3" decel="100000" fill="hold" grpId="0" nodeType="withEffect">
-                                  <p:stCondLst>
-                                    <p:cond delay="0"/>
-                                  </p:stCondLst>
-                                  <p:childTnLst>
-                                    <p:set>
-                                      <p:cBhvr>
-                                        <p:cTn id="26" dur="1" fill="hold">
-                                          <p:stCondLst>
-                                            <p:cond delay="0"/>
-                                          </p:stCondLst>
-                                        </p:cTn>
-                                        <p:tgtEl>
-                                          <p:spTgt spid="65"/>
-                                        </p:tgtEl>
-                                        <p:attrNameLst>
-                                          <p:attrName>style.visibility</p:attrName>
-                                        </p:attrNameLst>
-                                      </p:cBhvr>
-                                      <p:to>
-                                        <p:strVal val="visible"/>
-                                      </p:to>
-                                    </p:set>
-                                    <p:anim calcmode="lin" valueType="num">
-                                      <p:cBhvr additive="base">
-                                        <p:cTn id="27" dur="1000" fill="hold"/>
-                                        <p:tgtEl>
-                                          <p:spTgt spid="65"/>
-                                        </p:tgtEl>
-                                        <p:attrNameLst>
-                                          <p:attrName>ppt_x</p:attrName>
-                                        </p:attrNameLst>
-                                      </p:cBhvr>
-                                      <p:tavLst>
-                                        <p:tav tm="0">
-                                          <p:val>
-                                            <p:strVal val="1+#ppt_w/2"/>
-                                          </p:val>
-                                        </p:tav>
-                                        <p:tav tm="100000">
-                                          <p:val>
-                                            <p:strVal val="#ppt_x"/>
-                                          </p:val>
-                                        </p:tav>
-                                      </p:tavLst>
-                                    </p:anim>
-                                    <p:anim calcmode="lin" valueType="num">
-                                      <p:cBhvr additive="base">
-                                        <p:cTn id="28" dur="1000" fill="hold"/>
-                                        <p:tgtEl>
-                                          <p:spTgt spid="65"/>
-                                        </p:tgtEl>
-                                        <p:attrNameLst>
-                                          <p:attrName>ppt_y</p:attrName>
-                                        </p:attrNameLst>
-                                      </p:cBhvr>
-                                      <p:tavLst>
-                                        <p:tav tm="0">
-                                          <p:val>
-                                            <p:strVal val="0-#ppt_h/2"/>
-                                          </p:val>
-                                        </p:tav>
-                                        <p:tav tm="100000">
-                                          <p:val>
-                                            <p:strVal val="#ppt_y"/>
-                                          </p:val>
-                                        </p:tav>
-                                      </p:tavLst>
-                                    </p:anim>
-                                  </p:childTnLst>
-                                </p:cTn>
-                              </p:par>
-                              <p:par>
-                                <p:cTn id="29" presetID="2" presetClass="entr" presetSubtype="3" decel="100000" fill="hold" grpId="0" nodeType="withEffect">
-                                  <p:stCondLst>
-                                    <p:cond delay="0"/>
-                                  </p:stCondLst>
-                                  <p:childTnLst>
-                                    <p:set>
-                                      <p:cBhvr>
-                                        <p:cTn id="30" dur="1" fill="hold">
-                                          <p:stCondLst>
-                                            <p:cond delay="0"/>
-                                          </p:stCondLst>
-                                        </p:cTn>
-                                        <p:tgtEl>
-                                          <p:spTgt spid="66"/>
-                                        </p:tgtEl>
-                                        <p:attrNameLst>
-                                          <p:attrName>style.visibility</p:attrName>
-                                        </p:attrNameLst>
-                                      </p:cBhvr>
-                                      <p:to>
-                                        <p:strVal val="visible"/>
-                                      </p:to>
-                                    </p:set>
-                                    <p:anim calcmode="lin" valueType="num">
-                                      <p:cBhvr additive="base">
-                                        <p:cTn id="31" dur="1000" fill="hold"/>
-                                        <p:tgtEl>
-                                          <p:spTgt spid="66"/>
-                                        </p:tgtEl>
-                                        <p:attrNameLst>
-                                          <p:attrName>ppt_x</p:attrName>
-                                        </p:attrNameLst>
-                                      </p:cBhvr>
-                                      <p:tavLst>
-                                        <p:tav tm="0">
-                                          <p:val>
-                                            <p:strVal val="1+#ppt_w/2"/>
-                                          </p:val>
-                                        </p:tav>
-                                        <p:tav tm="100000">
-                                          <p:val>
-                                            <p:strVal val="#ppt_x"/>
-                                          </p:val>
-                                        </p:tav>
-                                      </p:tavLst>
-                                    </p:anim>
-                                    <p:anim calcmode="lin" valueType="num">
-                                      <p:cBhvr additive="base">
-                                        <p:cTn id="32" dur="1000" fill="hold"/>
-                                        <p:tgtEl>
-                                          <p:spTgt spid="66"/>
-                                        </p:tgtEl>
-                                        <p:attrNameLst>
-                                          <p:attrName>ppt_y</p:attrName>
-                                        </p:attrNameLst>
-                                      </p:cBhvr>
-                                      <p:tavLst>
-                                        <p:tav tm="0">
-                                          <p:val>
-                                            <p:strVal val="0-#ppt_h/2"/>
-                                          </p:val>
-                                        </p:tav>
-                                        <p:tav tm="100000">
-                                          <p:val>
-                                            <p:strVal val="#ppt_y"/>
-                                          </p:val>
-                                        </p:tav>
-                                      </p:tavLst>
-                                    </p:anim>
-                                  </p:childTnLst>
-                                </p:cTn>
-                              </p:par>
-                              <p:par>
-                                <p:cTn id="33" presetID="2" presetClass="entr" presetSubtype="3" decel="100000" fill="hold" nodeType="withEffect">
-                                  <p:stCondLst>
-                                    <p:cond delay="0"/>
-                                  </p:stCondLst>
-                                  <p:childTnLst>
-                                    <p:set>
-                                      <p:cBhvr>
-                                        <p:cTn id="34" dur="1" fill="hold">
-                                          <p:stCondLst>
-                                            <p:cond delay="0"/>
-                                          </p:stCondLst>
-                                        </p:cTn>
-                                        <p:tgtEl>
-                                          <p:spTgt spid="67"/>
-                                        </p:tgtEl>
-                                        <p:attrNameLst>
-                                          <p:attrName>style.visibility</p:attrName>
-                                        </p:attrNameLst>
-                                      </p:cBhvr>
-                                      <p:to>
-                                        <p:strVal val="visible"/>
-                                      </p:to>
-                                    </p:set>
-                                    <p:anim calcmode="lin" valueType="num">
-                                      <p:cBhvr additive="base">
-                                        <p:cTn id="35" dur="1000" fill="hold"/>
-                                        <p:tgtEl>
-                                          <p:spTgt spid="67"/>
-                                        </p:tgtEl>
-                                        <p:attrNameLst>
-                                          <p:attrName>ppt_x</p:attrName>
-                                        </p:attrNameLst>
-                                      </p:cBhvr>
-                                      <p:tavLst>
-                                        <p:tav tm="0">
-                                          <p:val>
-                                            <p:strVal val="1+#ppt_w/2"/>
-                                          </p:val>
-                                        </p:tav>
-                                        <p:tav tm="100000">
-                                          <p:val>
-                                            <p:strVal val="#ppt_x"/>
-                                          </p:val>
-                                        </p:tav>
-                                      </p:tavLst>
-                                    </p:anim>
-                                    <p:anim calcmode="lin" valueType="num">
-                                      <p:cBhvr additive="base">
-                                        <p:cTn id="36" dur="1000" fill="hold"/>
-                                        <p:tgtEl>
-                                          <p:spTgt spid="67"/>
-                                        </p:tgtEl>
-                                        <p:attrNameLst>
-                                          <p:attrName>ppt_y</p:attrName>
-                                        </p:attrNameLst>
-                                      </p:cBhvr>
-                                      <p:tavLst>
-                                        <p:tav tm="0">
-                                          <p:val>
-                                            <p:strVal val="0-#ppt_h/2"/>
-                                          </p:val>
-                                        </p:tav>
-                                        <p:tav tm="100000">
-                                          <p:val>
-                                            <p:strVal val="#ppt_y"/>
-                                          </p:val>
-                                        </p:tav>
-                                      </p:tavLst>
-                                    </p:anim>
-                                  </p:childTnLst>
-                                </p:cTn>
-                              </p:par>
-                            </p:childTnLst>
-                          </p:cTn>
-                        </p:par>
-                      </p:childTnLst>
-                    </p:cTn>
-                  </p:par>
-                </p:childTnLst>
-              </p:cTn>
-              <p:prevCondLst>
-                <p:cond evt="onPrev" delay="0">
-                  <p:tgtEl>
-                    <p:sldTgt/>
-                  </p:tgtEl>
-                </p:cond>
-              </p:prevCondLst>
-              <p:nextCondLst>
-                <p:cond evt="onNext" delay="0">
-                  <p:tgtEl>
-                    <p:sldTgt/>
-                  </p:tgtEl>
-                </p:cond>
-              </p:nextCondLst>
-            </p:seq>
-          </p:childTnLst>
-        </p:cTn>
-      </p:par>
-    </p:tnLst>
-    <p:bldLst>
-      <p:bldP spid="58" grpId="0" animBg="1"/>
-      <p:bldP spid="59" grpId="0" animBg="1"/>
-      <p:bldP spid="60" grpId="0" animBg="1"/>
-      <p:bldP spid="64" grpId="0" animBg="1"/>
-      <p:bldP spid="65" grpId="0" animBg="1"/>
-      <p:bldP spid="66" grpId="0" animBg="1"/>
-    </p:bldLst>
-  </p:timing>
 </p:sld>
 </file>
 
@@ -20085,6 +19573,1814 @@
       <p:bldP spid="31" grpId="0" animBg="1"/>
       <p:bldP spid="32" grpId="0" animBg="1"/>
       <p:bldP spid="33" grpId="0"/>
+    </p:bldLst>
+  </p:timing>
+</p:sld>
+</file>
+
+<file path=ppt/slides/slide20.xml><?xml version="1.0" encoding="utf-8"?>
+<p:sld xmlns:a="http://schemas.openxmlformats.org/drawingml/2006/main" xmlns:r="http://schemas.openxmlformats.org/officeDocument/2006/relationships" xmlns:p="http://schemas.openxmlformats.org/presentationml/2006/main">
+  <p:cSld>
+    <p:spTree>
+      <p:nvGrpSpPr>
+        <p:cNvPr id="1" name=""/>
+        <p:cNvGrpSpPr/>
+        <p:nvPr/>
+      </p:nvGrpSpPr>
+      <p:grpSpPr>
+        <a:xfrm>
+          <a:off x="0" y="0"/>
+          <a:ext cx="0" cy="0"/>
+          <a:chOff x="0" y="0"/>
+          <a:chExt cx="0" cy="0"/>
+        </a:xfrm>
+      </p:grpSpPr>
+      <p:grpSp>
+        <p:nvGrpSpPr>
+          <p:cNvPr id="38" name="组合 37"/>
+          <p:cNvGrpSpPr/>
+          <p:nvPr/>
+        </p:nvGrpSpPr>
+        <p:grpSpPr>
+          <a:xfrm>
+            <a:off x="-158751" y="255365"/>
+            <a:ext cx="4045111" cy="788563"/>
+            <a:chOff x="-158751" y="255365"/>
+            <a:chExt cx="4045111" cy="788563"/>
+          </a:xfrm>
+        </p:grpSpPr>
+        <p:grpSp>
+          <p:nvGrpSpPr>
+            <p:cNvPr id="39" name="组合 38"/>
+            <p:cNvGrpSpPr/>
+            <p:nvPr/>
+          </p:nvGrpSpPr>
+          <p:grpSpPr>
+            <a:xfrm rot="5400000">
+              <a:off x="433600" y="-336986"/>
+              <a:ext cx="788563" cy="1973265"/>
+              <a:chOff x="998435" y="608805"/>
+              <a:chExt cx="1414431" cy="3539410"/>
+            </a:xfrm>
+          </p:grpSpPr>
+          <p:grpSp>
+            <p:nvGrpSpPr>
+              <p:cNvPr id="43" name="组合 42"/>
+              <p:cNvGrpSpPr/>
+              <p:nvPr/>
+            </p:nvGrpSpPr>
+            <p:grpSpPr>
+              <a:xfrm>
+                <a:off x="1513847" y="608805"/>
+                <a:ext cx="374943" cy="2281237"/>
+                <a:chOff x="3378207" y="1563846"/>
+                <a:chExt cx="232791" cy="1416352"/>
+              </a:xfrm>
+            </p:grpSpPr>
+            <p:sp>
+              <p:nvSpPr>
+                <p:cNvPr id="64" name="圆角矩形 63"/>
+                <p:cNvSpPr/>
+                <p:nvPr/>
+              </p:nvSpPr>
+              <p:spPr>
+                <a:xfrm rot="16200000" flipV="1">
+                  <a:off x="2960504" y="2329704"/>
+                  <a:ext cx="1068198" cy="232790"/>
+                </a:xfrm>
+                <a:prstGeom prst="roundRect">
+                  <a:avLst>
+                    <a:gd name="adj" fmla="val 50000"/>
+                  </a:avLst>
+                </a:prstGeom>
+                <a:solidFill>
+                  <a:srgbClr val="37AB91"/>
+                </a:solidFill>
+                <a:ln>
+                  <a:noFill/>
+                </a:ln>
+              </p:spPr>
+              <p:style>
+                <a:lnRef idx="2">
+                  <a:schemeClr val="accent1">
+                    <a:shade val="50000"/>
+                  </a:schemeClr>
+                </a:lnRef>
+                <a:fillRef idx="1">
+                  <a:schemeClr val="accent1"/>
+                </a:fillRef>
+                <a:effectRef idx="0">
+                  <a:schemeClr val="accent1"/>
+                </a:effectRef>
+                <a:fontRef idx="minor">
+                  <a:schemeClr val="lt1"/>
+                </a:fontRef>
+              </p:style>
+              <p:txBody>
+                <a:bodyPr rtlCol="0" anchor="ctr"/>
+                <a:lstStyle/>
+                <a:p>
+                  <a:pPr algn="ctr"/>
+                  <a:endParaRPr lang="zh-CN" altLang="en-US">
+                    <a:cs typeface="+mn-ea"/>
+                    <a:sym typeface="+mn-lt"/>
+                  </a:endParaRPr>
+                </a:p>
+              </p:txBody>
+            </p:sp>
+            <p:sp>
+              <p:nvSpPr>
+                <p:cNvPr id="65" name="椭圆 64"/>
+                <p:cNvSpPr/>
+                <p:nvPr/>
+              </p:nvSpPr>
+              <p:spPr>
+                <a:xfrm rot="16200000" flipV="1">
+                  <a:off x="3378713" y="1563340"/>
+                  <a:ext cx="231778" cy="232790"/>
+                </a:xfrm>
+                <a:prstGeom prst="ellipse">
+                  <a:avLst/>
+                </a:prstGeom>
+                <a:solidFill>
+                  <a:srgbClr val="37AB91"/>
+                </a:solidFill>
+                <a:ln>
+                  <a:noFill/>
+                </a:ln>
+              </p:spPr>
+              <p:style>
+                <a:lnRef idx="2">
+                  <a:schemeClr val="accent1">
+                    <a:shade val="50000"/>
+                  </a:schemeClr>
+                </a:lnRef>
+                <a:fillRef idx="1">
+                  <a:schemeClr val="accent1"/>
+                </a:fillRef>
+                <a:effectRef idx="0">
+                  <a:schemeClr val="accent1"/>
+                </a:effectRef>
+                <a:fontRef idx="minor">
+                  <a:schemeClr val="lt1"/>
+                </a:fontRef>
+              </p:style>
+              <p:txBody>
+                <a:bodyPr rtlCol="0" anchor="ctr"/>
+                <a:lstStyle/>
+                <a:p>
+                  <a:pPr algn="ctr"/>
+                  <a:endParaRPr lang="zh-CN" altLang="en-US">
+                    <a:cs typeface="+mn-ea"/>
+                    <a:sym typeface="+mn-lt"/>
+                  </a:endParaRPr>
+                </a:p>
+              </p:txBody>
+            </p:sp>
+          </p:grpSp>
+          <p:grpSp>
+            <p:nvGrpSpPr>
+              <p:cNvPr id="59" name="组合 58"/>
+              <p:cNvGrpSpPr/>
+              <p:nvPr/>
+            </p:nvGrpSpPr>
+            <p:grpSpPr>
+              <a:xfrm>
+                <a:off x="2212348" y="1293810"/>
+                <a:ext cx="200518" cy="1219995"/>
+                <a:chOff x="3378207" y="1563846"/>
+                <a:chExt cx="232791" cy="1416352"/>
+              </a:xfrm>
+              <a:solidFill>
+                <a:srgbClr val="FF9409"/>
+              </a:solidFill>
+            </p:grpSpPr>
+            <p:sp>
+              <p:nvSpPr>
+                <p:cNvPr id="62" name="圆角矩形 61"/>
+                <p:cNvSpPr/>
+                <p:nvPr/>
+              </p:nvSpPr>
+              <p:spPr>
+                <a:xfrm rot="16200000" flipV="1">
+                  <a:off x="2960504" y="2329704"/>
+                  <a:ext cx="1068198" cy="232790"/>
+                </a:xfrm>
+                <a:prstGeom prst="roundRect">
+                  <a:avLst>
+                    <a:gd name="adj" fmla="val 50000"/>
+                  </a:avLst>
+                </a:prstGeom>
+                <a:solidFill>
+                  <a:schemeClr val="tx1">
+                    <a:lumMod val="65000"/>
+                    <a:lumOff val="35000"/>
+                  </a:schemeClr>
+                </a:solidFill>
+                <a:ln>
+                  <a:noFill/>
+                </a:ln>
+              </p:spPr>
+              <p:style>
+                <a:lnRef idx="2">
+                  <a:schemeClr val="accent1">
+                    <a:shade val="50000"/>
+                  </a:schemeClr>
+                </a:lnRef>
+                <a:fillRef idx="1">
+                  <a:schemeClr val="accent1"/>
+                </a:fillRef>
+                <a:effectRef idx="0">
+                  <a:schemeClr val="accent1"/>
+                </a:effectRef>
+                <a:fontRef idx="minor">
+                  <a:schemeClr val="lt1"/>
+                </a:fontRef>
+              </p:style>
+              <p:txBody>
+                <a:bodyPr rtlCol="0" anchor="ctr"/>
+                <a:lstStyle/>
+                <a:p>
+                  <a:pPr algn="ctr"/>
+                  <a:endParaRPr lang="zh-CN" altLang="en-US">
+                    <a:cs typeface="+mn-ea"/>
+                    <a:sym typeface="+mn-lt"/>
+                  </a:endParaRPr>
+                </a:p>
+              </p:txBody>
+            </p:sp>
+            <p:sp>
+              <p:nvSpPr>
+                <p:cNvPr id="63" name="椭圆 62"/>
+                <p:cNvSpPr/>
+                <p:nvPr/>
+              </p:nvSpPr>
+              <p:spPr>
+                <a:xfrm rot="16200000" flipV="1">
+                  <a:off x="3378713" y="1563340"/>
+                  <a:ext cx="231778" cy="232790"/>
+                </a:xfrm>
+                <a:prstGeom prst="ellipse">
+                  <a:avLst/>
+                </a:prstGeom>
+                <a:solidFill>
+                  <a:schemeClr val="tx1">
+                    <a:lumMod val="65000"/>
+                    <a:lumOff val="35000"/>
+                  </a:schemeClr>
+                </a:solidFill>
+                <a:ln>
+                  <a:noFill/>
+                </a:ln>
+              </p:spPr>
+              <p:style>
+                <a:lnRef idx="2">
+                  <a:schemeClr val="accent1">
+                    <a:shade val="50000"/>
+                  </a:schemeClr>
+                </a:lnRef>
+                <a:fillRef idx="1">
+                  <a:schemeClr val="accent1"/>
+                </a:fillRef>
+                <a:effectRef idx="0">
+                  <a:schemeClr val="accent1"/>
+                </a:effectRef>
+                <a:fontRef idx="minor">
+                  <a:schemeClr val="lt1"/>
+                </a:fontRef>
+              </p:style>
+              <p:txBody>
+                <a:bodyPr rtlCol="0" anchor="ctr"/>
+                <a:lstStyle/>
+                <a:p>
+                  <a:pPr algn="ctr"/>
+                  <a:endParaRPr lang="zh-CN" altLang="en-US">
+                    <a:cs typeface="+mn-ea"/>
+                    <a:sym typeface="+mn-lt"/>
+                  </a:endParaRPr>
+                </a:p>
+              </p:txBody>
+            </p:sp>
+          </p:grpSp>
+          <p:sp>
+            <p:nvSpPr>
+              <p:cNvPr id="60" name="圆角矩形 59"/>
+              <p:cNvSpPr/>
+              <p:nvPr/>
+            </p:nvSpPr>
+            <p:spPr>
+              <a:xfrm rot="5400000">
+                <a:off x="1518573" y="3428738"/>
+                <a:ext cx="1064012" cy="374942"/>
+              </a:xfrm>
+              <a:prstGeom prst="roundRect">
+                <a:avLst>
+                  <a:gd name="adj" fmla="val 50000"/>
+                </a:avLst>
+              </a:prstGeom>
+              <a:solidFill>
+                <a:srgbClr val="37AB91"/>
+              </a:solidFill>
+              <a:ln>
+                <a:noFill/>
+              </a:ln>
+            </p:spPr>
+            <p:style>
+              <a:lnRef idx="2">
+                <a:schemeClr val="accent1">
+                  <a:shade val="50000"/>
+                </a:schemeClr>
+              </a:lnRef>
+              <a:fillRef idx="1">
+                <a:schemeClr val="accent1"/>
+              </a:fillRef>
+              <a:effectRef idx="0">
+                <a:schemeClr val="accent1"/>
+              </a:effectRef>
+              <a:fontRef idx="minor">
+                <a:schemeClr val="lt1"/>
+              </a:fontRef>
+            </p:style>
+            <p:txBody>
+              <a:bodyPr rtlCol="0" anchor="ctr"/>
+              <a:lstStyle/>
+              <a:p>
+                <a:pPr algn="ctr"/>
+                <a:endParaRPr lang="zh-CN" altLang="en-US">
+                  <a:cs typeface="+mn-ea"/>
+                  <a:sym typeface="+mn-lt"/>
+                </a:endParaRPr>
+              </a:p>
+            </p:txBody>
+          </p:sp>
+          <p:sp>
+            <p:nvSpPr>
+              <p:cNvPr id="61" name="圆角矩形 60"/>
+              <p:cNvSpPr/>
+              <p:nvPr/>
+            </p:nvSpPr>
+            <p:spPr>
+              <a:xfrm rot="5400000">
+                <a:off x="422843" y="3043475"/>
+                <a:ext cx="1471965" cy="320782"/>
+              </a:xfrm>
+              <a:prstGeom prst="roundRect">
+                <a:avLst>
+                  <a:gd name="adj" fmla="val 50000"/>
+                </a:avLst>
+              </a:prstGeom>
+              <a:solidFill>
+                <a:srgbClr val="FF9409"/>
+              </a:solidFill>
+              <a:ln>
+                <a:noFill/>
+              </a:ln>
+            </p:spPr>
+            <p:style>
+              <a:lnRef idx="2">
+                <a:schemeClr val="accent1">
+                  <a:shade val="50000"/>
+                </a:schemeClr>
+              </a:lnRef>
+              <a:fillRef idx="1">
+                <a:schemeClr val="accent1"/>
+              </a:fillRef>
+              <a:effectRef idx="0">
+                <a:schemeClr val="accent1"/>
+              </a:effectRef>
+              <a:fontRef idx="minor">
+                <a:schemeClr val="lt1"/>
+              </a:fontRef>
+            </p:style>
+            <p:txBody>
+              <a:bodyPr rtlCol="0" anchor="ctr"/>
+              <a:lstStyle/>
+              <a:p>
+                <a:pPr algn="ctr"/>
+                <a:endParaRPr lang="zh-CN" altLang="en-US">
+                  <a:cs typeface="+mn-ea"/>
+                  <a:sym typeface="+mn-lt"/>
+                </a:endParaRPr>
+              </a:p>
+            </p:txBody>
+          </p:sp>
+        </p:grpSp>
+        <p:sp>
+          <p:nvSpPr>
+            <p:cNvPr id="41" name="文本框 40"/>
+            <p:cNvSpPr txBox="1"/>
+            <p:nvPr/>
+          </p:nvSpPr>
+          <p:spPr>
+            <a:xfrm>
+              <a:off x="2060219" y="337876"/>
+              <a:ext cx="1826141" cy="584775"/>
+            </a:xfrm>
+            <a:prstGeom prst="rect">
+              <a:avLst/>
+            </a:prstGeom>
+            <a:noFill/>
+          </p:spPr>
+          <p:txBody>
+            <a:bodyPr wrap="none" rtlCol="0">
+              <a:spAutoFit/>
+              <a:scene3d>
+                <a:camera prst="orthographicFront"/>
+                <a:lightRig rig="threePt" dir="t"/>
+              </a:scene3d>
+              <a:sp3d contourW="12700"/>
+            </a:bodyPr>
+            <a:lstStyle/>
+            <a:p>
+              <a:r>
+                <a:rPr lang="zh-CN" altLang="en-US" sz="3200" b="1" dirty="0">
+                  <a:solidFill>
+                    <a:schemeClr val="tx1">
+                      <a:lumMod val="75000"/>
+                      <a:lumOff val="25000"/>
+                    </a:schemeClr>
+                  </a:solidFill>
+                  <a:cs typeface="+mn-ea"/>
+                  <a:sym typeface="+mn-lt"/>
+                </a:rPr>
+                <a:t>游戏分析</a:t>
+              </a:r>
+            </a:p>
+          </p:txBody>
+        </p:sp>
+      </p:grpSp>
+      <p:sp>
+        <p:nvSpPr>
+          <p:cNvPr id="24" name="文本框 23">
+            <a:extLst>
+              <a:ext uri="{FF2B5EF4-FFF2-40B4-BE49-F238E27FC236}">
+                <a16:creationId xmlns:a16="http://schemas.microsoft.com/office/drawing/2014/main" id="{E3ACE549-9A03-C3C9-5BEE-3A89B8893296}"/>
+              </a:ext>
+            </a:extLst>
+          </p:cNvPr>
+          <p:cNvSpPr txBox="1"/>
+          <p:nvPr/>
+        </p:nvSpPr>
+        <p:spPr>
+          <a:xfrm>
+            <a:off x="367734" y="1249690"/>
+            <a:ext cx="4082345" cy="923330"/>
+          </a:xfrm>
+          <a:prstGeom prst="rect">
+            <a:avLst/>
+          </a:prstGeom>
+          <a:noFill/>
+        </p:spPr>
+        <p:txBody>
+          <a:bodyPr wrap="square">
+            <a:spAutoFit/>
+          </a:bodyPr>
+          <a:lstStyle/>
+          <a:p>
+            <a:r>
+              <a:rPr lang="zh-CN" altLang="en-US" dirty="0"/>
+              <a:t>对</a:t>
+            </a:r>
+            <a:r>
+              <a:rPr lang="en-US" altLang="zh-CN" dirty="0" err="1"/>
+              <a:t>csgo</a:t>
+            </a:r>
+            <a:r>
+              <a:rPr lang="zh-CN" altLang="en-US" dirty="0"/>
+              <a:t>游戏数据集进行分析，得出双方在各自胜利的对局中出现位置的频率图像</a:t>
+            </a:r>
+          </a:p>
+        </p:txBody>
+      </p:sp>
+      <p:pic>
+        <p:nvPicPr>
+          <p:cNvPr id="26" name="图片 25">
+            <a:extLst>
+              <a:ext uri="{FF2B5EF4-FFF2-40B4-BE49-F238E27FC236}">
+                <a16:creationId xmlns:a16="http://schemas.microsoft.com/office/drawing/2014/main" id="{E11D450F-DDDB-4D73-8006-83EE0C0AE06F}"/>
+              </a:ext>
+            </a:extLst>
+          </p:cNvPr>
+          <p:cNvPicPr>
+            <a:picLocks noChangeAspect="1"/>
+          </p:cNvPicPr>
+          <p:nvPr/>
+        </p:nvPicPr>
+        <p:blipFill>
+          <a:blip r:embed="rId3"/>
+          <a:stretch>
+            <a:fillRect/>
+          </a:stretch>
+        </p:blipFill>
+        <p:spPr>
+          <a:xfrm>
+            <a:off x="4780813" y="0"/>
+            <a:ext cx="7049657" cy="6858000"/>
+          </a:xfrm>
+          <a:prstGeom prst="rect">
+            <a:avLst/>
+          </a:prstGeom>
+        </p:spPr>
+      </p:pic>
+    </p:spTree>
+    <p:extLst>
+      <p:ext uri="{BB962C8B-B14F-4D97-AF65-F5344CB8AC3E}">
+        <p14:creationId xmlns:p14="http://schemas.microsoft.com/office/powerpoint/2010/main" val="4043264256"/>
+      </p:ext>
+    </p:extLst>
+  </p:cSld>
+  <p:clrMapOvr>
+    <a:masterClrMapping/>
+  </p:clrMapOvr>
+  <mc:AlternateContent xmlns:mc="http://schemas.openxmlformats.org/markup-compatibility/2006" xmlns:p14="http://schemas.microsoft.com/office/powerpoint/2010/main">
+    <mc:Choice Requires="p14">
+      <p:transition spd="slow" p14:dur="1500" advTm="0">
+        <p:random/>
+      </p:transition>
+    </mc:Choice>
+    <mc:Fallback xmlns="">
+      <p:transition spd="slow" advTm="0">
+        <p:random/>
+      </p:transition>
+    </mc:Fallback>
+  </mc:AlternateContent>
+</p:sld>
+</file>
+
+<file path=ppt/slides/slide21.xml><?xml version="1.0" encoding="utf-8"?>
+<p:sld xmlns:a="http://schemas.openxmlformats.org/drawingml/2006/main" xmlns:r="http://schemas.openxmlformats.org/officeDocument/2006/relationships" xmlns:p="http://schemas.openxmlformats.org/presentationml/2006/main">
+  <p:cSld>
+    <p:spTree>
+      <p:nvGrpSpPr>
+        <p:cNvPr id="1" name=""/>
+        <p:cNvGrpSpPr/>
+        <p:nvPr/>
+      </p:nvGrpSpPr>
+      <p:grpSpPr>
+        <a:xfrm>
+          <a:off x="0" y="0"/>
+          <a:ext cx="0" cy="0"/>
+          <a:chOff x="0" y="0"/>
+          <a:chExt cx="0" cy="0"/>
+        </a:xfrm>
+      </p:grpSpPr>
+      <p:sp>
+        <p:nvSpPr>
+          <p:cNvPr id="58" name="圆角矩形 57"/>
+          <p:cNvSpPr/>
+          <p:nvPr/>
+        </p:nvSpPr>
+        <p:spPr>
+          <a:xfrm rot="18900000" flipV="1">
+            <a:off x="-1162852" y="1052512"/>
+            <a:ext cx="2984500" cy="431800"/>
+          </a:xfrm>
+          <a:prstGeom prst="roundRect">
+            <a:avLst>
+              <a:gd name="adj" fmla="val 50000"/>
+            </a:avLst>
+          </a:prstGeom>
+          <a:solidFill>
+            <a:srgbClr val="37AB91"/>
+          </a:solidFill>
+          <a:ln>
+            <a:noFill/>
+          </a:ln>
+        </p:spPr>
+        <p:style>
+          <a:lnRef idx="2">
+            <a:schemeClr val="accent1">
+              <a:shade val="50000"/>
+            </a:schemeClr>
+          </a:lnRef>
+          <a:fillRef idx="1">
+            <a:schemeClr val="accent1"/>
+          </a:fillRef>
+          <a:effectRef idx="0">
+            <a:schemeClr val="accent1"/>
+          </a:effectRef>
+          <a:fontRef idx="minor">
+            <a:schemeClr val="lt1"/>
+          </a:fontRef>
+        </p:style>
+        <p:txBody>
+          <a:bodyPr rtlCol="0" anchor="ctr"/>
+          <a:lstStyle/>
+          <a:p>
+            <a:pPr algn="ctr"/>
+            <a:endParaRPr lang="zh-CN" altLang="en-US">
+              <a:cs typeface="+mn-ea"/>
+              <a:sym typeface="+mn-lt"/>
+            </a:endParaRPr>
+          </a:p>
+        </p:txBody>
+      </p:sp>
+      <p:sp>
+        <p:nvSpPr>
+          <p:cNvPr id="59" name="圆角矩形 58"/>
+          <p:cNvSpPr/>
+          <p:nvPr/>
+        </p:nvSpPr>
+        <p:spPr>
+          <a:xfrm rot="18900000" flipV="1">
+            <a:off x="914672" y="103227"/>
+            <a:ext cx="2984500" cy="431800"/>
+          </a:xfrm>
+          <a:prstGeom prst="roundRect">
+            <a:avLst>
+              <a:gd name="adj" fmla="val 50000"/>
+            </a:avLst>
+          </a:prstGeom>
+          <a:solidFill>
+            <a:srgbClr val="FF9409"/>
+          </a:solidFill>
+          <a:ln>
+            <a:noFill/>
+          </a:ln>
+        </p:spPr>
+        <p:style>
+          <a:lnRef idx="2">
+            <a:schemeClr val="accent1">
+              <a:shade val="50000"/>
+            </a:schemeClr>
+          </a:lnRef>
+          <a:fillRef idx="1">
+            <a:schemeClr val="accent1"/>
+          </a:fillRef>
+          <a:effectRef idx="0">
+            <a:schemeClr val="accent1"/>
+          </a:effectRef>
+          <a:fontRef idx="minor">
+            <a:schemeClr val="lt1"/>
+          </a:fontRef>
+        </p:style>
+        <p:txBody>
+          <a:bodyPr rtlCol="0" anchor="ctr"/>
+          <a:lstStyle/>
+          <a:p>
+            <a:pPr algn="ctr"/>
+            <a:endParaRPr lang="zh-CN" altLang="en-US">
+              <a:cs typeface="+mn-ea"/>
+              <a:sym typeface="+mn-lt"/>
+            </a:endParaRPr>
+          </a:p>
+        </p:txBody>
+      </p:sp>
+      <p:sp>
+        <p:nvSpPr>
+          <p:cNvPr id="60" name="圆角矩形 59"/>
+          <p:cNvSpPr/>
+          <p:nvPr/>
+        </p:nvSpPr>
+        <p:spPr>
+          <a:xfrm rot="18900000" flipV="1">
+            <a:off x="-1420315" y="2365619"/>
+            <a:ext cx="2984500" cy="431800"/>
+          </a:xfrm>
+          <a:prstGeom prst="roundRect">
+            <a:avLst>
+              <a:gd name="adj" fmla="val 50000"/>
+            </a:avLst>
+          </a:prstGeom>
+          <a:solidFill>
+            <a:srgbClr val="FF9409"/>
+          </a:solidFill>
+          <a:ln>
+            <a:noFill/>
+          </a:ln>
+        </p:spPr>
+        <p:style>
+          <a:lnRef idx="2">
+            <a:schemeClr val="accent1">
+              <a:shade val="50000"/>
+            </a:schemeClr>
+          </a:lnRef>
+          <a:fillRef idx="1">
+            <a:schemeClr val="accent1"/>
+          </a:fillRef>
+          <a:effectRef idx="0">
+            <a:schemeClr val="accent1"/>
+          </a:effectRef>
+          <a:fontRef idx="minor">
+            <a:schemeClr val="lt1"/>
+          </a:fontRef>
+        </p:style>
+        <p:txBody>
+          <a:bodyPr rtlCol="0" anchor="ctr"/>
+          <a:lstStyle/>
+          <a:p>
+            <a:pPr algn="ctr"/>
+            <a:endParaRPr lang="zh-CN" altLang="en-US">
+              <a:cs typeface="+mn-ea"/>
+              <a:sym typeface="+mn-lt"/>
+            </a:endParaRPr>
+          </a:p>
+        </p:txBody>
+      </p:sp>
+      <p:grpSp>
+        <p:nvGrpSpPr>
+          <p:cNvPr id="63" name="组合 62"/>
+          <p:cNvGrpSpPr/>
+          <p:nvPr/>
+        </p:nvGrpSpPr>
+        <p:grpSpPr>
+          <a:xfrm>
+            <a:off x="2406922" y="127001"/>
+            <a:ext cx="1191905" cy="774700"/>
+            <a:chOff x="3647506" y="400042"/>
+            <a:chExt cx="1462508" cy="950583"/>
+          </a:xfrm>
+        </p:grpSpPr>
+        <p:sp>
+          <p:nvSpPr>
+            <p:cNvPr id="61" name="圆角矩形 60"/>
+            <p:cNvSpPr/>
+            <p:nvPr/>
+          </p:nvSpPr>
+          <p:spPr>
+            <a:xfrm rot="18900000" flipV="1">
+              <a:off x="3647506" y="1064984"/>
+              <a:ext cx="1310715" cy="285641"/>
+            </a:xfrm>
+            <a:prstGeom prst="roundRect">
+              <a:avLst>
+                <a:gd name="adj" fmla="val 50000"/>
+              </a:avLst>
+            </a:prstGeom>
+            <a:solidFill>
+              <a:schemeClr val="tx1">
+                <a:lumMod val="65000"/>
+                <a:lumOff val="35000"/>
+              </a:schemeClr>
+            </a:solidFill>
+            <a:ln>
+              <a:noFill/>
+            </a:ln>
+          </p:spPr>
+          <p:style>
+            <a:lnRef idx="2">
+              <a:schemeClr val="accent1">
+                <a:shade val="50000"/>
+              </a:schemeClr>
+            </a:lnRef>
+            <a:fillRef idx="1">
+              <a:schemeClr val="accent1"/>
+            </a:fillRef>
+            <a:effectRef idx="0">
+              <a:schemeClr val="accent1"/>
+            </a:effectRef>
+            <a:fontRef idx="minor">
+              <a:schemeClr val="lt1"/>
+            </a:fontRef>
+          </p:style>
+          <p:txBody>
+            <a:bodyPr rtlCol="0" anchor="ctr"/>
+            <a:lstStyle/>
+            <a:p>
+              <a:pPr algn="ctr"/>
+              <a:endParaRPr lang="zh-CN" altLang="en-US">
+                <a:cs typeface="+mn-ea"/>
+                <a:sym typeface="+mn-lt"/>
+              </a:endParaRPr>
+            </a:p>
+          </p:txBody>
+        </p:sp>
+        <p:sp>
+          <p:nvSpPr>
+            <p:cNvPr id="62" name="椭圆 61"/>
+            <p:cNvSpPr/>
+            <p:nvPr/>
+          </p:nvSpPr>
+          <p:spPr>
+            <a:xfrm rot="18900000" flipV="1">
+              <a:off x="4825614" y="400042"/>
+              <a:ext cx="284400" cy="285641"/>
+            </a:xfrm>
+            <a:prstGeom prst="ellipse">
+              <a:avLst/>
+            </a:prstGeom>
+            <a:solidFill>
+              <a:schemeClr val="tx1">
+                <a:lumMod val="65000"/>
+                <a:lumOff val="35000"/>
+              </a:schemeClr>
+            </a:solidFill>
+            <a:ln>
+              <a:noFill/>
+            </a:ln>
+          </p:spPr>
+          <p:style>
+            <a:lnRef idx="2">
+              <a:schemeClr val="accent1">
+                <a:shade val="50000"/>
+              </a:schemeClr>
+            </a:lnRef>
+            <a:fillRef idx="1">
+              <a:schemeClr val="accent1"/>
+            </a:fillRef>
+            <a:effectRef idx="0">
+              <a:schemeClr val="accent1"/>
+            </a:effectRef>
+            <a:fontRef idx="minor">
+              <a:schemeClr val="lt1"/>
+            </a:fontRef>
+          </p:style>
+          <p:txBody>
+            <a:bodyPr rtlCol="0" anchor="ctr"/>
+            <a:lstStyle/>
+            <a:p>
+              <a:pPr algn="ctr"/>
+              <a:endParaRPr lang="zh-CN" altLang="en-US">
+                <a:cs typeface="+mn-ea"/>
+                <a:sym typeface="+mn-lt"/>
+              </a:endParaRPr>
+            </a:p>
+          </p:txBody>
+        </p:sp>
+      </p:grpSp>
+      <p:sp>
+        <p:nvSpPr>
+          <p:cNvPr id="64" name="圆角矩形 63"/>
+          <p:cNvSpPr/>
+          <p:nvPr/>
+        </p:nvSpPr>
+        <p:spPr>
+          <a:xfrm rot="18900000" flipV="1">
+            <a:off x="11342808" y="5516494"/>
+            <a:ext cx="1847676" cy="267323"/>
+          </a:xfrm>
+          <a:prstGeom prst="roundRect">
+            <a:avLst>
+              <a:gd name="adj" fmla="val 50000"/>
+            </a:avLst>
+          </a:prstGeom>
+          <a:solidFill>
+            <a:srgbClr val="37AB91"/>
+          </a:solidFill>
+          <a:ln>
+            <a:noFill/>
+          </a:ln>
+        </p:spPr>
+        <p:style>
+          <a:lnRef idx="2">
+            <a:schemeClr val="accent1">
+              <a:shade val="50000"/>
+            </a:schemeClr>
+          </a:lnRef>
+          <a:fillRef idx="1">
+            <a:schemeClr val="accent1"/>
+          </a:fillRef>
+          <a:effectRef idx="0">
+            <a:schemeClr val="accent1"/>
+          </a:effectRef>
+          <a:fontRef idx="minor">
+            <a:schemeClr val="lt1"/>
+          </a:fontRef>
+        </p:style>
+        <p:txBody>
+          <a:bodyPr rtlCol="0" anchor="ctr"/>
+          <a:lstStyle/>
+          <a:p>
+            <a:pPr algn="ctr"/>
+            <a:endParaRPr lang="zh-CN" altLang="en-US">
+              <a:cs typeface="+mn-ea"/>
+              <a:sym typeface="+mn-lt"/>
+            </a:endParaRPr>
+          </a:p>
+        </p:txBody>
+      </p:sp>
+      <p:sp>
+        <p:nvSpPr>
+          <p:cNvPr id="65" name="圆角矩形 64"/>
+          <p:cNvSpPr/>
+          <p:nvPr/>
+        </p:nvSpPr>
+        <p:spPr>
+          <a:xfrm rot="18900000" flipV="1">
+            <a:off x="8617193" y="6642100"/>
+            <a:ext cx="2984500" cy="431800"/>
+          </a:xfrm>
+          <a:prstGeom prst="roundRect">
+            <a:avLst>
+              <a:gd name="adj" fmla="val 50000"/>
+            </a:avLst>
+          </a:prstGeom>
+          <a:solidFill>
+            <a:srgbClr val="FF9409"/>
+          </a:solidFill>
+          <a:ln>
+            <a:noFill/>
+          </a:ln>
+        </p:spPr>
+        <p:style>
+          <a:lnRef idx="2">
+            <a:schemeClr val="accent1">
+              <a:shade val="50000"/>
+            </a:schemeClr>
+          </a:lnRef>
+          <a:fillRef idx="1">
+            <a:schemeClr val="accent1"/>
+          </a:fillRef>
+          <a:effectRef idx="0">
+            <a:schemeClr val="accent1"/>
+          </a:effectRef>
+          <a:fontRef idx="minor">
+            <a:schemeClr val="lt1"/>
+          </a:fontRef>
+        </p:style>
+        <p:txBody>
+          <a:bodyPr rtlCol="0" anchor="ctr"/>
+          <a:lstStyle/>
+          <a:p>
+            <a:pPr algn="ctr"/>
+            <a:endParaRPr lang="zh-CN" altLang="en-US">
+              <a:cs typeface="+mn-ea"/>
+              <a:sym typeface="+mn-lt"/>
+            </a:endParaRPr>
+          </a:p>
+        </p:txBody>
+      </p:sp>
+      <p:sp>
+        <p:nvSpPr>
+          <p:cNvPr id="66" name="圆角矩形 65"/>
+          <p:cNvSpPr/>
+          <p:nvPr/>
+        </p:nvSpPr>
+        <p:spPr>
+          <a:xfrm rot="18900000" flipV="1">
+            <a:off x="11087419" y="4499418"/>
+            <a:ext cx="2412212" cy="349001"/>
+          </a:xfrm>
+          <a:prstGeom prst="roundRect">
+            <a:avLst>
+              <a:gd name="adj" fmla="val 50000"/>
+            </a:avLst>
+          </a:prstGeom>
+          <a:solidFill>
+            <a:schemeClr val="tx1">
+              <a:lumMod val="65000"/>
+              <a:lumOff val="35000"/>
+            </a:schemeClr>
+          </a:solidFill>
+          <a:ln>
+            <a:noFill/>
+          </a:ln>
+        </p:spPr>
+        <p:style>
+          <a:lnRef idx="2">
+            <a:schemeClr val="accent1">
+              <a:shade val="50000"/>
+            </a:schemeClr>
+          </a:lnRef>
+          <a:fillRef idx="1">
+            <a:schemeClr val="accent1"/>
+          </a:fillRef>
+          <a:effectRef idx="0">
+            <a:schemeClr val="accent1"/>
+          </a:effectRef>
+          <a:fontRef idx="minor">
+            <a:schemeClr val="lt1"/>
+          </a:fontRef>
+        </p:style>
+        <p:txBody>
+          <a:bodyPr rtlCol="0" anchor="ctr"/>
+          <a:lstStyle/>
+          <a:p>
+            <a:pPr algn="ctr"/>
+            <a:endParaRPr lang="zh-CN" altLang="en-US">
+              <a:cs typeface="+mn-ea"/>
+              <a:sym typeface="+mn-lt"/>
+            </a:endParaRPr>
+          </a:p>
+        </p:txBody>
+      </p:sp>
+      <p:grpSp>
+        <p:nvGrpSpPr>
+          <p:cNvPr id="67" name="组合 66"/>
+          <p:cNvGrpSpPr/>
+          <p:nvPr/>
+        </p:nvGrpSpPr>
+        <p:grpSpPr>
+          <a:xfrm rot="10800000">
+            <a:off x="9602967" y="5124736"/>
+            <a:ext cx="1777794" cy="1155509"/>
+            <a:chOff x="3647506" y="400042"/>
+            <a:chExt cx="1462508" cy="950583"/>
+          </a:xfrm>
+          <a:solidFill>
+            <a:srgbClr val="37AB91"/>
+          </a:solidFill>
+        </p:grpSpPr>
+        <p:sp>
+          <p:nvSpPr>
+            <p:cNvPr id="68" name="圆角矩形 67"/>
+            <p:cNvSpPr/>
+            <p:nvPr/>
+          </p:nvSpPr>
+          <p:spPr>
+            <a:xfrm rot="18900000" flipV="1">
+              <a:off x="3647506" y="1064984"/>
+              <a:ext cx="1310715" cy="285641"/>
+            </a:xfrm>
+            <a:prstGeom prst="roundRect">
+              <a:avLst>
+                <a:gd name="adj" fmla="val 50000"/>
+              </a:avLst>
+            </a:prstGeom>
+            <a:grpFill/>
+            <a:ln>
+              <a:noFill/>
+            </a:ln>
+          </p:spPr>
+          <p:style>
+            <a:lnRef idx="2">
+              <a:schemeClr val="accent1">
+                <a:shade val="50000"/>
+              </a:schemeClr>
+            </a:lnRef>
+            <a:fillRef idx="1">
+              <a:schemeClr val="accent1"/>
+            </a:fillRef>
+            <a:effectRef idx="0">
+              <a:schemeClr val="accent1"/>
+            </a:effectRef>
+            <a:fontRef idx="minor">
+              <a:schemeClr val="lt1"/>
+            </a:fontRef>
+          </p:style>
+          <p:txBody>
+            <a:bodyPr rtlCol="0" anchor="ctr"/>
+            <a:lstStyle/>
+            <a:p>
+              <a:pPr algn="ctr"/>
+              <a:endParaRPr lang="zh-CN" altLang="en-US">
+                <a:cs typeface="+mn-ea"/>
+                <a:sym typeface="+mn-lt"/>
+              </a:endParaRPr>
+            </a:p>
+          </p:txBody>
+        </p:sp>
+        <p:sp>
+          <p:nvSpPr>
+            <p:cNvPr id="69" name="椭圆 68"/>
+            <p:cNvSpPr/>
+            <p:nvPr/>
+          </p:nvSpPr>
+          <p:spPr>
+            <a:xfrm rot="18900000" flipV="1">
+              <a:off x="4825614" y="400042"/>
+              <a:ext cx="284400" cy="285641"/>
+            </a:xfrm>
+            <a:prstGeom prst="ellipse">
+              <a:avLst/>
+            </a:prstGeom>
+            <a:grpFill/>
+            <a:ln>
+              <a:noFill/>
+            </a:ln>
+          </p:spPr>
+          <p:style>
+            <a:lnRef idx="2">
+              <a:schemeClr val="accent1">
+                <a:shade val="50000"/>
+              </a:schemeClr>
+            </a:lnRef>
+            <a:fillRef idx="1">
+              <a:schemeClr val="accent1"/>
+            </a:fillRef>
+            <a:effectRef idx="0">
+              <a:schemeClr val="accent1"/>
+            </a:effectRef>
+            <a:fontRef idx="minor">
+              <a:schemeClr val="lt1"/>
+            </a:fontRef>
+          </p:style>
+          <p:txBody>
+            <a:bodyPr rtlCol="0" anchor="ctr"/>
+            <a:lstStyle/>
+            <a:p>
+              <a:pPr algn="ctr"/>
+              <a:endParaRPr lang="zh-CN" altLang="en-US">
+                <a:cs typeface="+mn-ea"/>
+                <a:sym typeface="+mn-lt"/>
+              </a:endParaRPr>
+            </a:p>
+          </p:txBody>
+        </p:sp>
+      </p:grpSp>
+      <p:sp>
+        <p:nvSpPr>
+          <p:cNvPr id="22" name="文本框 21">
+            <a:extLst>
+              <a:ext uri="{FF2B5EF4-FFF2-40B4-BE49-F238E27FC236}">
+                <a16:creationId xmlns:a16="http://schemas.microsoft.com/office/drawing/2014/main" id="{BD4CC0F8-906C-4B67-A4FC-532EA7FEB5A6}"/>
+              </a:ext>
+            </a:extLst>
+          </p:cNvPr>
+          <p:cNvSpPr txBox="1"/>
+          <p:nvPr/>
+        </p:nvSpPr>
+        <p:spPr>
+          <a:xfrm>
+            <a:off x="1968748" y="2360119"/>
+            <a:ext cx="8254504" cy="3693319"/>
+          </a:xfrm>
+          <a:prstGeom prst="rect">
+            <a:avLst/>
+          </a:prstGeom>
+          <a:noFill/>
+        </p:spPr>
+        <p:txBody>
+          <a:bodyPr wrap="square" rtlCol="0">
+            <a:spAutoFit/>
+          </a:bodyPr>
+          <a:lstStyle/>
+          <a:p>
+            <a:r>
+              <a:rPr lang="zh-CN" altLang="en-US" sz="9600" b="1" dirty="0">
+                <a:solidFill>
+                  <a:schemeClr val="tx1">
+                    <a:lumMod val="75000"/>
+                    <a:lumOff val="25000"/>
+                  </a:schemeClr>
+                </a:solidFill>
+                <a:cs typeface="+mn-ea"/>
+                <a:sym typeface="+mn-lt"/>
+              </a:rPr>
+              <a:t>感谢您的观看！</a:t>
+            </a:r>
+          </a:p>
+          <a:p>
+            <a:endParaRPr lang="zh-CN" altLang="en-US" sz="13800" dirty="0">
+              <a:cs typeface="+mn-ea"/>
+              <a:sym typeface="+mn-lt"/>
+            </a:endParaRPr>
+          </a:p>
+        </p:txBody>
+      </p:sp>
+    </p:spTree>
+    <p:extLst>
+      <p:ext uri="{BB962C8B-B14F-4D97-AF65-F5344CB8AC3E}">
+        <p14:creationId xmlns:p14="http://schemas.microsoft.com/office/powerpoint/2010/main" val="3253497739"/>
+      </p:ext>
+    </p:extLst>
+  </p:cSld>
+  <p:clrMapOvr>
+    <a:masterClrMapping/>
+  </p:clrMapOvr>
+  <mc:AlternateContent xmlns:mc="http://schemas.openxmlformats.org/markup-compatibility/2006" xmlns:p14="http://schemas.microsoft.com/office/powerpoint/2010/main">
+    <mc:Choice Requires="p14">
+      <p:transition spd="slow" p14:dur="1500" advTm="0">
+        <p:random/>
+      </p:transition>
+    </mc:Choice>
+    <mc:Fallback xmlns="">
+      <p:transition spd="slow" advTm="0">
+        <p:random/>
+      </p:transition>
+    </mc:Fallback>
+  </mc:AlternateContent>
+  <p:timing>
+    <p:tnLst>
+      <p:par>
+        <p:cTn id="1" dur="indefinite" restart="never" nodeType="tmRoot">
+          <p:childTnLst>
+            <p:seq concurrent="1" nextAc="seek">
+              <p:cTn id="2" dur="indefinite" nodeType="mainSeq">
+                <p:childTnLst>
+                  <p:par>
+                    <p:cTn id="3" fill="hold">
+                      <p:stCondLst>
+                        <p:cond delay="indefinite"/>
+                        <p:cond evt="onBegin" delay="0">
+                          <p:tn val="2"/>
+                        </p:cond>
+                      </p:stCondLst>
+                      <p:childTnLst>
+                        <p:par>
+                          <p:cTn id="4" fill="hold">
+                            <p:stCondLst>
+                              <p:cond delay="0"/>
+                            </p:stCondLst>
+                            <p:childTnLst>
+                              <p:par>
+                                <p:cTn id="5" presetID="2" presetClass="entr" presetSubtype="12" decel="100000" fill="hold" grpId="0" nodeType="withEffect">
+                                  <p:stCondLst>
+                                    <p:cond delay="0"/>
+                                  </p:stCondLst>
+                                  <p:childTnLst>
+                                    <p:set>
+                                      <p:cBhvr>
+                                        <p:cTn id="6" dur="1" fill="hold">
+                                          <p:stCondLst>
+                                            <p:cond delay="0"/>
+                                          </p:stCondLst>
+                                        </p:cTn>
+                                        <p:tgtEl>
+                                          <p:spTgt spid="58"/>
+                                        </p:tgtEl>
+                                        <p:attrNameLst>
+                                          <p:attrName>style.visibility</p:attrName>
+                                        </p:attrNameLst>
+                                      </p:cBhvr>
+                                      <p:to>
+                                        <p:strVal val="visible"/>
+                                      </p:to>
+                                    </p:set>
+                                    <p:anim calcmode="lin" valueType="num">
+                                      <p:cBhvr additive="base">
+                                        <p:cTn id="7" dur="1000" fill="hold"/>
+                                        <p:tgtEl>
+                                          <p:spTgt spid="58"/>
+                                        </p:tgtEl>
+                                        <p:attrNameLst>
+                                          <p:attrName>ppt_x</p:attrName>
+                                        </p:attrNameLst>
+                                      </p:cBhvr>
+                                      <p:tavLst>
+                                        <p:tav tm="0">
+                                          <p:val>
+                                            <p:strVal val="0-#ppt_w/2"/>
+                                          </p:val>
+                                        </p:tav>
+                                        <p:tav tm="100000">
+                                          <p:val>
+                                            <p:strVal val="#ppt_x"/>
+                                          </p:val>
+                                        </p:tav>
+                                      </p:tavLst>
+                                    </p:anim>
+                                    <p:anim calcmode="lin" valueType="num">
+                                      <p:cBhvr additive="base">
+                                        <p:cTn id="8" dur="1000" fill="hold"/>
+                                        <p:tgtEl>
+                                          <p:spTgt spid="58"/>
+                                        </p:tgtEl>
+                                        <p:attrNameLst>
+                                          <p:attrName>ppt_y</p:attrName>
+                                        </p:attrNameLst>
+                                      </p:cBhvr>
+                                      <p:tavLst>
+                                        <p:tav tm="0">
+                                          <p:val>
+                                            <p:strVal val="1+#ppt_h/2"/>
+                                          </p:val>
+                                        </p:tav>
+                                        <p:tav tm="100000">
+                                          <p:val>
+                                            <p:strVal val="#ppt_y"/>
+                                          </p:val>
+                                        </p:tav>
+                                      </p:tavLst>
+                                    </p:anim>
+                                  </p:childTnLst>
+                                </p:cTn>
+                              </p:par>
+                              <p:par>
+                                <p:cTn id="9" presetID="2" presetClass="entr" presetSubtype="12" decel="100000" fill="hold" grpId="0" nodeType="withEffect">
+                                  <p:stCondLst>
+                                    <p:cond delay="0"/>
+                                  </p:stCondLst>
+                                  <p:childTnLst>
+                                    <p:set>
+                                      <p:cBhvr>
+                                        <p:cTn id="10" dur="1" fill="hold">
+                                          <p:stCondLst>
+                                            <p:cond delay="0"/>
+                                          </p:stCondLst>
+                                        </p:cTn>
+                                        <p:tgtEl>
+                                          <p:spTgt spid="59"/>
+                                        </p:tgtEl>
+                                        <p:attrNameLst>
+                                          <p:attrName>style.visibility</p:attrName>
+                                        </p:attrNameLst>
+                                      </p:cBhvr>
+                                      <p:to>
+                                        <p:strVal val="visible"/>
+                                      </p:to>
+                                    </p:set>
+                                    <p:anim calcmode="lin" valueType="num">
+                                      <p:cBhvr additive="base">
+                                        <p:cTn id="11" dur="1000" fill="hold"/>
+                                        <p:tgtEl>
+                                          <p:spTgt spid="59"/>
+                                        </p:tgtEl>
+                                        <p:attrNameLst>
+                                          <p:attrName>ppt_x</p:attrName>
+                                        </p:attrNameLst>
+                                      </p:cBhvr>
+                                      <p:tavLst>
+                                        <p:tav tm="0">
+                                          <p:val>
+                                            <p:strVal val="0-#ppt_w/2"/>
+                                          </p:val>
+                                        </p:tav>
+                                        <p:tav tm="100000">
+                                          <p:val>
+                                            <p:strVal val="#ppt_x"/>
+                                          </p:val>
+                                        </p:tav>
+                                      </p:tavLst>
+                                    </p:anim>
+                                    <p:anim calcmode="lin" valueType="num">
+                                      <p:cBhvr additive="base">
+                                        <p:cTn id="12" dur="1000" fill="hold"/>
+                                        <p:tgtEl>
+                                          <p:spTgt spid="59"/>
+                                        </p:tgtEl>
+                                        <p:attrNameLst>
+                                          <p:attrName>ppt_y</p:attrName>
+                                        </p:attrNameLst>
+                                      </p:cBhvr>
+                                      <p:tavLst>
+                                        <p:tav tm="0">
+                                          <p:val>
+                                            <p:strVal val="1+#ppt_h/2"/>
+                                          </p:val>
+                                        </p:tav>
+                                        <p:tav tm="100000">
+                                          <p:val>
+                                            <p:strVal val="#ppt_y"/>
+                                          </p:val>
+                                        </p:tav>
+                                      </p:tavLst>
+                                    </p:anim>
+                                  </p:childTnLst>
+                                </p:cTn>
+                              </p:par>
+                              <p:par>
+                                <p:cTn id="13" presetID="2" presetClass="entr" presetSubtype="12" decel="100000" fill="hold" grpId="0" nodeType="withEffect">
+                                  <p:stCondLst>
+                                    <p:cond delay="0"/>
+                                  </p:stCondLst>
+                                  <p:childTnLst>
+                                    <p:set>
+                                      <p:cBhvr>
+                                        <p:cTn id="14" dur="1" fill="hold">
+                                          <p:stCondLst>
+                                            <p:cond delay="0"/>
+                                          </p:stCondLst>
+                                        </p:cTn>
+                                        <p:tgtEl>
+                                          <p:spTgt spid="60"/>
+                                        </p:tgtEl>
+                                        <p:attrNameLst>
+                                          <p:attrName>style.visibility</p:attrName>
+                                        </p:attrNameLst>
+                                      </p:cBhvr>
+                                      <p:to>
+                                        <p:strVal val="visible"/>
+                                      </p:to>
+                                    </p:set>
+                                    <p:anim calcmode="lin" valueType="num">
+                                      <p:cBhvr additive="base">
+                                        <p:cTn id="15" dur="1000" fill="hold"/>
+                                        <p:tgtEl>
+                                          <p:spTgt spid="60"/>
+                                        </p:tgtEl>
+                                        <p:attrNameLst>
+                                          <p:attrName>ppt_x</p:attrName>
+                                        </p:attrNameLst>
+                                      </p:cBhvr>
+                                      <p:tavLst>
+                                        <p:tav tm="0">
+                                          <p:val>
+                                            <p:strVal val="0-#ppt_w/2"/>
+                                          </p:val>
+                                        </p:tav>
+                                        <p:tav tm="100000">
+                                          <p:val>
+                                            <p:strVal val="#ppt_x"/>
+                                          </p:val>
+                                        </p:tav>
+                                      </p:tavLst>
+                                    </p:anim>
+                                    <p:anim calcmode="lin" valueType="num">
+                                      <p:cBhvr additive="base">
+                                        <p:cTn id="16" dur="1000" fill="hold"/>
+                                        <p:tgtEl>
+                                          <p:spTgt spid="60"/>
+                                        </p:tgtEl>
+                                        <p:attrNameLst>
+                                          <p:attrName>ppt_y</p:attrName>
+                                        </p:attrNameLst>
+                                      </p:cBhvr>
+                                      <p:tavLst>
+                                        <p:tav tm="0">
+                                          <p:val>
+                                            <p:strVal val="1+#ppt_h/2"/>
+                                          </p:val>
+                                        </p:tav>
+                                        <p:tav tm="100000">
+                                          <p:val>
+                                            <p:strVal val="#ppt_y"/>
+                                          </p:val>
+                                        </p:tav>
+                                      </p:tavLst>
+                                    </p:anim>
+                                  </p:childTnLst>
+                                </p:cTn>
+                              </p:par>
+                              <p:par>
+                                <p:cTn id="17" presetID="2" presetClass="entr" presetSubtype="12" decel="100000" fill="hold" nodeType="withEffect">
+                                  <p:stCondLst>
+                                    <p:cond delay="0"/>
+                                  </p:stCondLst>
+                                  <p:childTnLst>
+                                    <p:set>
+                                      <p:cBhvr>
+                                        <p:cTn id="18" dur="1" fill="hold">
+                                          <p:stCondLst>
+                                            <p:cond delay="0"/>
+                                          </p:stCondLst>
+                                        </p:cTn>
+                                        <p:tgtEl>
+                                          <p:spTgt spid="63"/>
+                                        </p:tgtEl>
+                                        <p:attrNameLst>
+                                          <p:attrName>style.visibility</p:attrName>
+                                        </p:attrNameLst>
+                                      </p:cBhvr>
+                                      <p:to>
+                                        <p:strVal val="visible"/>
+                                      </p:to>
+                                    </p:set>
+                                    <p:anim calcmode="lin" valueType="num">
+                                      <p:cBhvr additive="base">
+                                        <p:cTn id="19" dur="1000" fill="hold"/>
+                                        <p:tgtEl>
+                                          <p:spTgt spid="63"/>
+                                        </p:tgtEl>
+                                        <p:attrNameLst>
+                                          <p:attrName>ppt_x</p:attrName>
+                                        </p:attrNameLst>
+                                      </p:cBhvr>
+                                      <p:tavLst>
+                                        <p:tav tm="0">
+                                          <p:val>
+                                            <p:strVal val="0-#ppt_w/2"/>
+                                          </p:val>
+                                        </p:tav>
+                                        <p:tav tm="100000">
+                                          <p:val>
+                                            <p:strVal val="#ppt_x"/>
+                                          </p:val>
+                                        </p:tav>
+                                      </p:tavLst>
+                                    </p:anim>
+                                    <p:anim calcmode="lin" valueType="num">
+                                      <p:cBhvr additive="base">
+                                        <p:cTn id="20" dur="1000" fill="hold"/>
+                                        <p:tgtEl>
+                                          <p:spTgt spid="63"/>
+                                        </p:tgtEl>
+                                        <p:attrNameLst>
+                                          <p:attrName>ppt_y</p:attrName>
+                                        </p:attrNameLst>
+                                      </p:cBhvr>
+                                      <p:tavLst>
+                                        <p:tav tm="0">
+                                          <p:val>
+                                            <p:strVal val="1+#ppt_h/2"/>
+                                          </p:val>
+                                        </p:tav>
+                                        <p:tav tm="100000">
+                                          <p:val>
+                                            <p:strVal val="#ppt_y"/>
+                                          </p:val>
+                                        </p:tav>
+                                      </p:tavLst>
+                                    </p:anim>
+                                  </p:childTnLst>
+                                </p:cTn>
+                              </p:par>
+                              <p:par>
+                                <p:cTn id="21" presetID="2" presetClass="entr" presetSubtype="3" decel="100000" fill="hold" grpId="0" nodeType="withEffect">
+                                  <p:stCondLst>
+                                    <p:cond delay="0"/>
+                                  </p:stCondLst>
+                                  <p:childTnLst>
+                                    <p:set>
+                                      <p:cBhvr>
+                                        <p:cTn id="22" dur="1" fill="hold">
+                                          <p:stCondLst>
+                                            <p:cond delay="0"/>
+                                          </p:stCondLst>
+                                        </p:cTn>
+                                        <p:tgtEl>
+                                          <p:spTgt spid="64"/>
+                                        </p:tgtEl>
+                                        <p:attrNameLst>
+                                          <p:attrName>style.visibility</p:attrName>
+                                        </p:attrNameLst>
+                                      </p:cBhvr>
+                                      <p:to>
+                                        <p:strVal val="visible"/>
+                                      </p:to>
+                                    </p:set>
+                                    <p:anim calcmode="lin" valueType="num">
+                                      <p:cBhvr additive="base">
+                                        <p:cTn id="23" dur="1000" fill="hold"/>
+                                        <p:tgtEl>
+                                          <p:spTgt spid="64"/>
+                                        </p:tgtEl>
+                                        <p:attrNameLst>
+                                          <p:attrName>ppt_x</p:attrName>
+                                        </p:attrNameLst>
+                                      </p:cBhvr>
+                                      <p:tavLst>
+                                        <p:tav tm="0">
+                                          <p:val>
+                                            <p:strVal val="1+#ppt_w/2"/>
+                                          </p:val>
+                                        </p:tav>
+                                        <p:tav tm="100000">
+                                          <p:val>
+                                            <p:strVal val="#ppt_x"/>
+                                          </p:val>
+                                        </p:tav>
+                                      </p:tavLst>
+                                    </p:anim>
+                                    <p:anim calcmode="lin" valueType="num">
+                                      <p:cBhvr additive="base">
+                                        <p:cTn id="24" dur="1000" fill="hold"/>
+                                        <p:tgtEl>
+                                          <p:spTgt spid="64"/>
+                                        </p:tgtEl>
+                                        <p:attrNameLst>
+                                          <p:attrName>ppt_y</p:attrName>
+                                        </p:attrNameLst>
+                                      </p:cBhvr>
+                                      <p:tavLst>
+                                        <p:tav tm="0">
+                                          <p:val>
+                                            <p:strVal val="0-#ppt_h/2"/>
+                                          </p:val>
+                                        </p:tav>
+                                        <p:tav tm="100000">
+                                          <p:val>
+                                            <p:strVal val="#ppt_y"/>
+                                          </p:val>
+                                        </p:tav>
+                                      </p:tavLst>
+                                    </p:anim>
+                                  </p:childTnLst>
+                                </p:cTn>
+                              </p:par>
+                              <p:par>
+                                <p:cTn id="25" presetID="2" presetClass="entr" presetSubtype="3" decel="100000" fill="hold" grpId="0" nodeType="withEffect">
+                                  <p:stCondLst>
+                                    <p:cond delay="0"/>
+                                  </p:stCondLst>
+                                  <p:childTnLst>
+                                    <p:set>
+                                      <p:cBhvr>
+                                        <p:cTn id="26" dur="1" fill="hold">
+                                          <p:stCondLst>
+                                            <p:cond delay="0"/>
+                                          </p:stCondLst>
+                                        </p:cTn>
+                                        <p:tgtEl>
+                                          <p:spTgt spid="65"/>
+                                        </p:tgtEl>
+                                        <p:attrNameLst>
+                                          <p:attrName>style.visibility</p:attrName>
+                                        </p:attrNameLst>
+                                      </p:cBhvr>
+                                      <p:to>
+                                        <p:strVal val="visible"/>
+                                      </p:to>
+                                    </p:set>
+                                    <p:anim calcmode="lin" valueType="num">
+                                      <p:cBhvr additive="base">
+                                        <p:cTn id="27" dur="1000" fill="hold"/>
+                                        <p:tgtEl>
+                                          <p:spTgt spid="65"/>
+                                        </p:tgtEl>
+                                        <p:attrNameLst>
+                                          <p:attrName>ppt_x</p:attrName>
+                                        </p:attrNameLst>
+                                      </p:cBhvr>
+                                      <p:tavLst>
+                                        <p:tav tm="0">
+                                          <p:val>
+                                            <p:strVal val="1+#ppt_w/2"/>
+                                          </p:val>
+                                        </p:tav>
+                                        <p:tav tm="100000">
+                                          <p:val>
+                                            <p:strVal val="#ppt_x"/>
+                                          </p:val>
+                                        </p:tav>
+                                      </p:tavLst>
+                                    </p:anim>
+                                    <p:anim calcmode="lin" valueType="num">
+                                      <p:cBhvr additive="base">
+                                        <p:cTn id="28" dur="1000" fill="hold"/>
+                                        <p:tgtEl>
+                                          <p:spTgt spid="65"/>
+                                        </p:tgtEl>
+                                        <p:attrNameLst>
+                                          <p:attrName>ppt_y</p:attrName>
+                                        </p:attrNameLst>
+                                      </p:cBhvr>
+                                      <p:tavLst>
+                                        <p:tav tm="0">
+                                          <p:val>
+                                            <p:strVal val="0-#ppt_h/2"/>
+                                          </p:val>
+                                        </p:tav>
+                                        <p:tav tm="100000">
+                                          <p:val>
+                                            <p:strVal val="#ppt_y"/>
+                                          </p:val>
+                                        </p:tav>
+                                      </p:tavLst>
+                                    </p:anim>
+                                  </p:childTnLst>
+                                </p:cTn>
+                              </p:par>
+                              <p:par>
+                                <p:cTn id="29" presetID="2" presetClass="entr" presetSubtype="3" decel="100000" fill="hold" grpId="0" nodeType="withEffect">
+                                  <p:stCondLst>
+                                    <p:cond delay="0"/>
+                                  </p:stCondLst>
+                                  <p:childTnLst>
+                                    <p:set>
+                                      <p:cBhvr>
+                                        <p:cTn id="30" dur="1" fill="hold">
+                                          <p:stCondLst>
+                                            <p:cond delay="0"/>
+                                          </p:stCondLst>
+                                        </p:cTn>
+                                        <p:tgtEl>
+                                          <p:spTgt spid="66"/>
+                                        </p:tgtEl>
+                                        <p:attrNameLst>
+                                          <p:attrName>style.visibility</p:attrName>
+                                        </p:attrNameLst>
+                                      </p:cBhvr>
+                                      <p:to>
+                                        <p:strVal val="visible"/>
+                                      </p:to>
+                                    </p:set>
+                                    <p:anim calcmode="lin" valueType="num">
+                                      <p:cBhvr additive="base">
+                                        <p:cTn id="31" dur="1000" fill="hold"/>
+                                        <p:tgtEl>
+                                          <p:spTgt spid="66"/>
+                                        </p:tgtEl>
+                                        <p:attrNameLst>
+                                          <p:attrName>ppt_x</p:attrName>
+                                        </p:attrNameLst>
+                                      </p:cBhvr>
+                                      <p:tavLst>
+                                        <p:tav tm="0">
+                                          <p:val>
+                                            <p:strVal val="1+#ppt_w/2"/>
+                                          </p:val>
+                                        </p:tav>
+                                        <p:tav tm="100000">
+                                          <p:val>
+                                            <p:strVal val="#ppt_x"/>
+                                          </p:val>
+                                        </p:tav>
+                                      </p:tavLst>
+                                    </p:anim>
+                                    <p:anim calcmode="lin" valueType="num">
+                                      <p:cBhvr additive="base">
+                                        <p:cTn id="32" dur="1000" fill="hold"/>
+                                        <p:tgtEl>
+                                          <p:spTgt spid="66"/>
+                                        </p:tgtEl>
+                                        <p:attrNameLst>
+                                          <p:attrName>ppt_y</p:attrName>
+                                        </p:attrNameLst>
+                                      </p:cBhvr>
+                                      <p:tavLst>
+                                        <p:tav tm="0">
+                                          <p:val>
+                                            <p:strVal val="0-#ppt_h/2"/>
+                                          </p:val>
+                                        </p:tav>
+                                        <p:tav tm="100000">
+                                          <p:val>
+                                            <p:strVal val="#ppt_y"/>
+                                          </p:val>
+                                        </p:tav>
+                                      </p:tavLst>
+                                    </p:anim>
+                                  </p:childTnLst>
+                                </p:cTn>
+                              </p:par>
+                              <p:par>
+                                <p:cTn id="33" presetID="2" presetClass="entr" presetSubtype="3" decel="100000" fill="hold" nodeType="withEffect">
+                                  <p:stCondLst>
+                                    <p:cond delay="0"/>
+                                  </p:stCondLst>
+                                  <p:childTnLst>
+                                    <p:set>
+                                      <p:cBhvr>
+                                        <p:cTn id="34" dur="1" fill="hold">
+                                          <p:stCondLst>
+                                            <p:cond delay="0"/>
+                                          </p:stCondLst>
+                                        </p:cTn>
+                                        <p:tgtEl>
+                                          <p:spTgt spid="67"/>
+                                        </p:tgtEl>
+                                        <p:attrNameLst>
+                                          <p:attrName>style.visibility</p:attrName>
+                                        </p:attrNameLst>
+                                      </p:cBhvr>
+                                      <p:to>
+                                        <p:strVal val="visible"/>
+                                      </p:to>
+                                    </p:set>
+                                    <p:anim calcmode="lin" valueType="num">
+                                      <p:cBhvr additive="base">
+                                        <p:cTn id="35" dur="1000" fill="hold"/>
+                                        <p:tgtEl>
+                                          <p:spTgt spid="67"/>
+                                        </p:tgtEl>
+                                        <p:attrNameLst>
+                                          <p:attrName>ppt_x</p:attrName>
+                                        </p:attrNameLst>
+                                      </p:cBhvr>
+                                      <p:tavLst>
+                                        <p:tav tm="0">
+                                          <p:val>
+                                            <p:strVal val="1+#ppt_w/2"/>
+                                          </p:val>
+                                        </p:tav>
+                                        <p:tav tm="100000">
+                                          <p:val>
+                                            <p:strVal val="#ppt_x"/>
+                                          </p:val>
+                                        </p:tav>
+                                      </p:tavLst>
+                                    </p:anim>
+                                    <p:anim calcmode="lin" valueType="num">
+                                      <p:cBhvr additive="base">
+                                        <p:cTn id="36" dur="1000" fill="hold"/>
+                                        <p:tgtEl>
+                                          <p:spTgt spid="67"/>
+                                        </p:tgtEl>
+                                        <p:attrNameLst>
+                                          <p:attrName>ppt_y</p:attrName>
+                                        </p:attrNameLst>
+                                      </p:cBhvr>
+                                      <p:tavLst>
+                                        <p:tav tm="0">
+                                          <p:val>
+                                            <p:strVal val="0-#ppt_h/2"/>
+                                          </p:val>
+                                        </p:tav>
+                                        <p:tav tm="100000">
+                                          <p:val>
+                                            <p:strVal val="#ppt_y"/>
+                                          </p:val>
+                                        </p:tav>
+                                      </p:tavLst>
+                                    </p:anim>
+                                  </p:childTnLst>
+                                </p:cTn>
+                              </p:par>
+                            </p:childTnLst>
+                          </p:cTn>
+                        </p:par>
+                      </p:childTnLst>
+                    </p:cTn>
+                  </p:par>
+                </p:childTnLst>
+              </p:cTn>
+              <p:prevCondLst>
+                <p:cond evt="onPrev" delay="0">
+                  <p:tgtEl>
+                    <p:sldTgt/>
+                  </p:tgtEl>
+                </p:cond>
+              </p:prevCondLst>
+              <p:nextCondLst>
+                <p:cond evt="onNext" delay="0">
+                  <p:tgtEl>
+                    <p:sldTgt/>
+                  </p:tgtEl>
+                </p:cond>
+              </p:nextCondLst>
+            </p:seq>
+          </p:childTnLst>
+        </p:cTn>
+      </p:par>
+    </p:tnLst>
+    <p:bldLst>
+      <p:bldP spid="58" grpId="0" animBg="1"/>
+      <p:bldP spid="59" grpId="0" animBg="1"/>
+      <p:bldP spid="60" grpId="0" animBg="1"/>
+      <p:bldP spid="64" grpId="0" animBg="1"/>
+      <p:bldP spid="65" grpId="0" animBg="1"/>
+      <p:bldP spid="66" grpId="0" animBg="1"/>
     </p:bldLst>
   </p:timing>
 </p:sld>
